--- a/Diapositivas/Parte 03.Clasificación/Sección 03.2.k-Nearest Neighbors/K-NN.pptx
+++ b/Diapositivas/Parte 03.Clasificación/Sección 03.2.k-Nearest Neighbors/K-NN.pptx
@@ -5605,7 +5605,7 @@
           <p:cNvPr id="7" name="Imagen 6">
             <a:extLst>
               <a:ext uri="{FF2B5EF4-FFF2-40B4-BE49-F238E27FC236}">
-                <a16:creationId xmlns:a16="http://schemas.microsoft.com/office/drawing/2014/main" xmlns="" id="{36B54177-B7DF-1DD9-8875-D4168F53E154}"/>
+                <a16:creationId xmlns="" xmlns:a16="http://schemas.microsoft.com/office/drawing/2014/main" id="{36B54177-B7DF-1DD9-8875-D4168F53E154}"/>
               </a:ext>
             </a:extLst>
           </p:cNvPr>
@@ -5635,7 +5635,7 @@
           <p:cNvPr id="2" name="Título 1">
             <a:extLst>
               <a:ext uri="{FF2B5EF4-FFF2-40B4-BE49-F238E27FC236}">
-                <a16:creationId xmlns:a16="http://schemas.microsoft.com/office/drawing/2014/main" xmlns="" id="{3029E411-989D-8CFA-0371-904E9B56BB90}"/>
+                <a16:creationId xmlns="" xmlns:a16="http://schemas.microsoft.com/office/drawing/2014/main" id="{3029E411-989D-8CFA-0371-904E9B56BB90}"/>
               </a:ext>
             </a:extLst>
           </p:cNvPr>
@@ -5676,7 +5676,7 @@
           <p:cNvPr id="3" name="Subtítulo 2">
             <a:extLst>
               <a:ext uri="{FF2B5EF4-FFF2-40B4-BE49-F238E27FC236}">
-                <a16:creationId xmlns:a16="http://schemas.microsoft.com/office/drawing/2014/main" xmlns="" id="{68801E2D-CF21-2ADE-8396-CC12B5A246AC}"/>
+                <a16:creationId xmlns="" xmlns:a16="http://schemas.microsoft.com/office/drawing/2014/main" id="{68801E2D-CF21-2ADE-8396-CC12B5A246AC}"/>
               </a:ext>
             </a:extLst>
           </p:cNvPr>
@@ -5750,7 +5750,7 @@
           <p:cNvPr id="4" name="Marcador de fecha 3">
             <a:extLst>
               <a:ext uri="{FF2B5EF4-FFF2-40B4-BE49-F238E27FC236}">
-                <a16:creationId xmlns:a16="http://schemas.microsoft.com/office/drawing/2014/main" xmlns="" id="{C7D9C27E-71A0-A8E6-7D94-D52F81CE5F69}"/>
+                <a16:creationId xmlns="" xmlns:a16="http://schemas.microsoft.com/office/drawing/2014/main" id="{C7D9C27E-71A0-A8E6-7D94-D52F81CE5F69}"/>
               </a:ext>
             </a:extLst>
           </p:cNvPr>
@@ -5788,7 +5788,7 @@
           <p:cNvPr id="5" name="Marcador de pie de página 4">
             <a:extLst>
               <a:ext uri="{FF2B5EF4-FFF2-40B4-BE49-F238E27FC236}">
-                <a16:creationId xmlns:a16="http://schemas.microsoft.com/office/drawing/2014/main" xmlns="" id="{4C83CED7-3270-999D-99EC-4B2B5F4289C9}"/>
+                <a16:creationId xmlns="" xmlns:a16="http://schemas.microsoft.com/office/drawing/2014/main" id="{4C83CED7-3270-999D-99EC-4B2B5F4289C9}"/>
               </a:ext>
             </a:extLst>
           </p:cNvPr>
@@ -5821,7 +5821,7 @@
           <p:cNvPr id="6" name="Marcador de número de diapositiva 5">
             <a:extLst>
               <a:ext uri="{FF2B5EF4-FFF2-40B4-BE49-F238E27FC236}">
-                <a16:creationId xmlns:a16="http://schemas.microsoft.com/office/drawing/2014/main" xmlns="" id="{0DC7CE21-D4CA-6449-E0EA-746968CC779A}"/>
+                <a16:creationId xmlns="" xmlns:a16="http://schemas.microsoft.com/office/drawing/2014/main" id="{0DC7CE21-D4CA-6449-E0EA-746968CC779A}"/>
               </a:ext>
             </a:extLst>
           </p:cNvPr>
@@ -5889,7 +5889,7 @@
           <p:cNvPr id="2" name="Título 1">
             <a:extLst>
               <a:ext uri="{FF2B5EF4-FFF2-40B4-BE49-F238E27FC236}">
-                <a16:creationId xmlns:a16="http://schemas.microsoft.com/office/drawing/2014/main" xmlns="" id="{C4018A1D-A95A-249C-60D7-BFEC9560650F}"/>
+                <a16:creationId xmlns="" xmlns:a16="http://schemas.microsoft.com/office/drawing/2014/main" id="{C4018A1D-A95A-249C-60D7-BFEC9560650F}"/>
               </a:ext>
             </a:extLst>
           </p:cNvPr>
@@ -5926,7 +5926,7 @@
           <p:cNvPr id="3" name="Marcador de texto 2">
             <a:extLst>
               <a:ext uri="{FF2B5EF4-FFF2-40B4-BE49-F238E27FC236}">
-                <a16:creationId xmlns:a16="http://schemas.microsoft.com/office/drawing/2014/main" xmlns="" id="{7DA112BB-1B55-D3DA-D7D7-35DE1AC52464}"/>
+                <a16:creationId xmlns="" xmlns:a16="http://schemas.microsoft.com/office/drawing/2014/main" id="{7DA112BB-1B55-D3DA-D7D7-35DE1AC52464}"/>
               </a:ext>
             </a:extLst>
           </p:cNvPr>
@@ -6051,7 +6051,7 @@
           <p:cNvPr id="4" name="Marcador de fecha 3">
             <a:extLst>
               <a:ext uri="{FF2B5EF4-FFF2-40B4-BE49-F238E27FC236}">
-                <a16:creationId xmlns:a16="http://schemas.microsoft.com/office/drawing/2014/main" xmlns="" id="{E844E3D2-E945-19C6-68D7-AA7AC54FF7A6}"/>
+                <a16:creationId xmlns="" xmlns:a16="http://schemas.microsoft.com/office/drawing/2014/main" id="{E844E3D2-E945-19C6-68D7-AA7AC54FF7A6}"/>
               </a:ext>
             </a:extLst>
           </p:cNvPr>
@@ -6080,7 +6080,7 @@
           <p:cNvPr id="5" name="Marcador de pie de página 4">
             <a:extLst>
               <a:ext uri="{FF2B5EF4-FFF2-40B4-BE49-F238E27FC236}">
-                <a16:creationId xmlns:a16="http://schemas.microsoft.com/office/drawing/2014/main" xmlns="" id="{56FC48AC-4463-729E-ABA1-FB3D3EFA26E7}"/>
+                <a16:creationId xmlns="" xmlns:a16="http://schemas.microsoft.com/office/drawing/2014/main" id="{56FC48AC-4463-729E-ABA1-FB3D3EFA26E7}"/>
               </a:ext>
             </a:extLst>
           </p:cNvPr>
@@ -6105,7 +6105,7 @@
           <p:cNvPr id="6" name="Marcador de número de diapositiva 5">
             <a:extLst>
               <a:ext uri="{FF2B5EF4-FFF2-40B4-BE49-F238E27FC236}">
-                <a16:creationId xmlns:a16="http://schemas.microsoft.com/office/drawing/2014/main" xmlns="" id="{7FB46B77-03B3-EF69-5002-A7FF12752807}"/>
+                <a16:creationId xmlns="" xmlns:a16="http://schemas.microsoft.com/office/drawing/2014/main" id="{7FB46B77-03B3-EF69-5002-A7FF12752807}"/>
               </a:ext>
             </a:extLst>
           </p:cNvPr>
@@ -6164,7 +6164,7 @@
           <p:cNvPr id="8" name="Imagen 7">
             <a:extLst>
               <a:ext uri="{FF2B5EF4-FFF2-40B4-BE49-F238E27FC236}">
-                <a16:creationId xmlns:a16="http://schemas.microsoft.com/office/drawing/2014/main" xmlns="" id="{FDAF5A4A-1B68-98B0-A191-8BD2A6F09150}"/>
+                <a16:creationId xmlns="" xmlns:a16="http://schemas.microsoft.com/office/drawing/2014/main" id="{FDAF5A4A-1B68-98B0-A191-8BD2A6F09150}"/>
               </a:ext>
             </a:extLst>
           </p:cNvPr>
@@ -6264,7 +6264,7 @@
     <a:masterClrMapping/>
   </p:clrMapOvr>
   <mc:AlternateContent xmlns:mc="http://schemas.openxmlformats.org/markup-compatibility/2006">
-    <mc:Choice xmlns:p159="http://schemas.microsoft.com/office/powerpoint/2015/09/main" xmlns="" Requires="p159">
+    <mc:Choice xmlns="" xmlns:p159="http://schemas.microsoft.com/office/powerpoint/2015/09/main" Requires="p159">
       <p:transition xmlns:p14="http://schemas.microsoft.com/office/powerpoint/2010/main" spd="slow" p14:dur="2000">
         <p159:morph option="byObject"/>
       </p:transition>
@@ -6300,7 +6300,7 @@
           <p:cNvPr id="7" name="Imagen 6">
             <a:extLst>
               <a:ext uri="{FF2B5EF4-FFF2-40B4-BE49-F238E27FC236}">
-                <a16:creationId xmlns:a16="http://schemas.microsoft.com/office/drawing/2014/main" xmlns="" id="{66AD6CAE-8F01-422E-B0BA-3045B167AEAF}"/>
+                <a16:creationId xmlns="" xmlns:a16="http://schemas.microsoft.com/office/drawing/2014/main" id="{66AD6CAE-8F01-422E-B0BA-3045B167AEAF}"/>
               </a:ext>
             </a:extLst>
           </p:cNvPr>
@@ -6488,7 +6488,7 @@
           <p:cNvPr id="10" name="Imagen 9">
             <a:extLst>
               <a:ext uri="{FF2B5EF4-FFF2-40B4-BE49-F238E27FC236}">
-                <a16:creationId xmlns:a16="http://schemas.microsoft.com/office/drawing/2014/main" xmlns="" id="{11028E90-7017-3801-0152-2A4D9D428AAF}"/>
+                <a16:creationId xmlns="" xmlns:a16="http://schemas.microsoft.com/office/drawing/2014/main" id="{11028E90-7017-3801-0152-2A4D9D428AAF}"/>
               </a:ext>
             </a:extLst>
           </p:cNvPr>
@@ -6523,7 +6523,7 @@
     <a:masterClrMapping/>
   </p:clrMapOvr>
   <mc:AlternateContent xmlns:mc="http://schemas.openxmlformats.org/markup-compatibility/2006">
-    <mc:Choice xmlns:p159="http://schemas.microsoft.com/office/powerpoint/2015/09/main" xmlns="" Requires="p159">
+    <mc:Choice xmlns="" xmlns:p159="http://schemas.microsoft.com/office/powerpoint/2015/09/main" Requires="p159">
       <p:transition xmlns:p14="http://schemas.microsoft.com/office/powerpoint/2010/main" spd="slow" p14:dur="2000">
         <p159:morph option="byObject"/>
       </p:transition>
@@ -6624,7 +6624,7 @@
           <p:cNvPr id="10" name="Imagen 9">
             <a:extLst>
               <a:ext uri="{FF2B5EF4-FFF2-40B4-BE49-F238E27FC236}">
-                <a16:creationId xmlns:a16="http://schemas.microsoft.com/office/drawing/2014/main" xmlns="" id="{B4AC21E6-3AB4-AA3E-EED5-BEA73B4160C8}"/>
+                <a16:creationId xmlns="" xmlns:a16="http://schemas.microsoft.com/office/drawing/2014/main" id="{B4AC21E6-3AB4-AA3E-EED5-BEA73B4160C8}"/>
               </a:ext>
             </a:extLst>
           </p:cNvPr>
@@ -6653,7 +6653,7 @@
           <p:cNvPr id="5" name="Título 1">
             <a:extLst>
               <a:ext uri="{FF2B5EF4-FFF2-40B4-BE49-F238E27FC236}">
-                <a16:creationId xmlns:a16="http://schemas.microsoft.com/office/drawing/2014/main" xmlns="" id="{74D66EB4-E928-04A5-17AC-B4C4FAF01B68}"/>
+                <a16:creationId xmlns="" xmlns:a16="http://schemas.microsoft.com/office/drawing/2014/main" id="{74D66EB4-E928-04A5-17AC-B4C4FAF01B68}"/>
               </a:ext>
             </a:extLst>
           </p:cNvPr>
@@ -6696,7 +6696,7 @@
     <a:masterClrMapping/>
   </p:clrMapOvr>
   <mc:AlternateContent xmlns:mc="http://schemas.openxmlformats.org/markup-compatibility/2006">
-    <mc:Choice xmlns:p159="http://schemas.microsoft.com/office/powerpoint/2015/09/main" xmlns="" Requires="p159">
+    <mc:Choice xmlns="" xmlns:p159="http://schemas.microsoft.com/office/powerpoint/2015/09/main" Requires="p159">
       <p:transition xmlns:p14="http://schemas.microsoft.com/office/powerpoint/2010/main" spd="slow" p14:dur="2000">
         <p159:morph option="byObject"/>
       </p:transition>
@@ -6797,7 +6797,7 @@
           <p:cNvPr id="5" name="Imagen 4">
             <a:extLst>
               <a:ext uri="{FF2B5EF4-FFF2-40B4-BE49-F238E27FC236}">
-                <a16:creationId xmlns:a16="http://schemas.microsoft.com/office/drawing/2014/main" xmlns="" id="{CFD1EF8D-21B9-3C6D-CAEB-887F2C4B10FA}"/>
+                <a16:creationId xmlns="" xmlns:a16="http://schemas.microsoft.com/office/drawing/2014/main" id="{CFD1EF8D-21B9-3C6D-CAEB-887F2C4B10FA}"/>
               </a:ext>
             </a:extLst>
           </p:cNvPr>
@@ -6826,7 +6826,7 @@
           <p:cNvPr id="6" name="Título 1">
             <a:extLst>
               <a:ext uri="{FF2B5EF4-FFF2-40B4-BE49-F238E27FC236}">
-                <a16:creationId xmlns:a16="http://schemas.microsoft.com/office/drawing/2014/main" xmlns="" id="{BDA5DC36-6B14-E774-2FD3-FD49BCF6F742}"/>
+                <a16:creationId xmlns="" xmlns:a16="http://schemas.microsoft.com/office/drawing/2014/main" id="{BDA5DC36-6B14-E774-2FD3-FD49BCF6F742}"/>
               </a:ext>
             </a:extLst>
           </p:cNvPr>
@@ -6873,7 +6873,7 @@
     <a:masterClrMapping/>
   </p:clrMapOvr>
   <mc:AlternateContent xmlns:mc="http://schemas.openxmlformats.org/markup-compatibility/2006">
-    <mc:Choice xmlns:p159="http://schemas.microsoft.com/office/powerpoint/2015/09/main" xmlns="" Requires="p159">
+    <mc:Choice xmlns="" xmlns:p159="http://schemas.microsoft.com/office/powerpoint/2015/09/main" Requires="p159">
       <p:transition xmlns:p14="http://schemas.microsoft.com/office/powerpoint/2010/main" spd="slow" p14:dur="2000">
         <p159:morph option="byObject"/>
       </p:transition>
@@ -6909,7 +6909,7 @@
           <p:cNvPr id="7" name="Imagen 6">
             <a:extLst>
               <a:ext uri="{FF2B5EF4-FFF2-40B4-BE49-F238E27FC236}">
-                <a16:creationId xmlns:a16="http://schemas.microsoft.com/office/drawing/2014/main" xmlns="" id="{7E36882C-E608-66B8-8A42-26DD6B67138C}"/>
+                <a16:creationId xmlns="" xmlns:a16="http://schemas.microsoft.com/office/drawing/2014/main" id="{7E36882C-E608-66B8-8A42-26DD6B67138C}"/>
               </a:ext>
             </a:extLst>
           </p:cNvPr>
@@ -6939,7 +6939,7 @@
           <p:cNvPr id="2" name="Título 1">
             <a:extLst>
               <a:ext uri="{FF2B5EF4-FFF2-40B4-BE49-F238E27FC236}">
-                <a16:creationId xmlns:a16="http://schemas.microsoft.com/office/drawing/2014/main" xmlns="" id="{A319E2F3-3E92-F0B7-289B-ECE5123D9814}"/>
+                <a16:creationId xmlns="" xmlns:a16="http://schemas.microsoft.com/office/drawing/2014/main" id="{A319E2F3-3E92-F0B7-289B-ECE5123D9814}"/>
               </a:ext>
             </a:extLst>
           </p:cNvPr>
@@ -6975,7 +6975,7 @@
           <p:cNvPr id="3" name="Marcador de contenido 2">
             <a:extLst>
               <a:ext uri="{FF2B5EF4-FFF2-40B4-BE49-F238E27FC236}">
-                <a16:creationId xmlns:a16="http://schemas.microsoft.com/office/drawing/2014/main" xmlns="" id="{917E9B9D-3312-7614-E939-8BBA89447845}"/>
+                <a16:creationId xmlns="" xmlns:a16="http://schemas.microsoft.com/office/drawing/2014/main" id="{917E9B9D-3312-7614-E939-8BBA89447845}"/>
               </a:ext>
             </a:extLst>
           </p:cNvPr>
@@ -7032,7 +7032,7 @@
           <p:cNvPr id="4" name="Marcador de fecha 3">
             <a:extLst>
               <a:ext uri="{FF2B5EF4-FFF2-40B4-BE49-F238E27FC236}">
-                <a16:creationId xmlns:a16="http://schemas.microsoft.com/office/drawing/2014/main" xmlns="" id="{9561BD46-81DF-C525-880C-B60F549977C9}"/>
+                <a16:creationId xmlns="" xmlns:a16="http://schemas.microsoft.com/office/drawing/2014/main" id="{9561BD46-81DF-C525-880C-B60F549977C9}"/>
               </a:ext>
             </a:extLst>
           </p:cNvPr>
@@ -7061,7 +7061,7 @@
           <p:cNvPr id="5" name="Marcador de pie de página 4">
             <a:extLst>
               <a:ext uri="{FF2B5EF4-FFF2-40B4-BE49-F238E27FC236}">
-                <a16:creationId xmlns:a16="http://schemas.microsoft.com/office/drawing/2014/main" xmlns="" id="{B48141E5-38F4-5870-C465-013B716EE584}"/>
+                <a16:creationId xmlns="" xmlns:a16="http://schemas.microsoft.com/office/drawing/2014/main" id="{B48141E5-38F4-5870-C465-013B716EE584}"/>
               </a:ext>
             </a:extLst>
           </p:cNvPr>
@@ -7086,7 +7086,7 @@
           <p:cNvPr id="6" name="Marcador de número de diapositiva 5">
             <a:extLst>
               <a:ext uri="{FF2B5EF4-FFF2-40B4-BE49-F238E27FC236}">
-                <a16:creationId xmlns:a16="http://schemas.microsoft.com/office/drawing/2014/main" xmlns="" id="{6D3EFEE5-200A-753E-B6FD-9311CB9BAAFF}"/>
+                <a16:creationId xmlns="" xmlns:a16="http://schemas.microsoft.com/office/drawing/2014/main" id="{6D3EFEE5-200A-753E-B6FD-9311CB9BAAFF}"/>
               </a:ext>
             </a:extLst>
           </p:cNvPr>
@@ -7145,7 +7145,7 @@
           <p:cNvPr id="6" name="Imagen 5">
             <a:extLst>
               <a:ext uri="{FF2B5EF4-FFF2-40B4-BE49-F238E27FC236}">
-                <a16:creationId xmlns:a16="http://schemas.microsoft.com/office/drawing/2014/main" xmlns="" id="{85B76E4B-994E-FE80-0264-CD7AEB4265E3}"/>
+                <a16:creationId xmlns="" xmlns:a16="http://schemas.microsoft.com/office/drawing/2014/main" id="{85B76E4B-994E-FE80-0264-CD7AEB4265E3}"/>
               </a:ext>
             </a:extLst>
           </p:cNvPr>
@@ -7175,7 +7175,7 @@
           <p:cNvPr id="2" name="Título 1">
             <a:extLst>
               <a:ext uri="{FF2B5EF4-FFF2-40B4-BE49-F238E27FC236}">
-                <a16:creationId xmlns:a16="http://schemas.microsoft.com/office/drawing/2014/main" xmlns="" id="{F58AE75E-BF38-0C63-F39F-95D19FDCC331}"/>
+                <a16:creationId xmlns="" xmlns:a16="http://schemas.microsoft.com/office/drawing/2014/main" id="{F58AE75E-BF38-0C63-F39F-95D19FDCC331}"/>
               </a:ext>
             </a:extLst>
           </p:cNvPr>
@@ -7207,7 +7207,7 @@
           <p:cNvPr id="3" name="Marcador de fecha 2">
             <a:extLst>
               <a:ext uri="{FF2B5EF4-FFF2-40B4-BE49-F238E27FC236}">
-                <a16:creationId xmlns:a16="http://schemas.microsoft.com/office/drawing/2014/main" xmlns="" id="{C0849DC6-910E-1212-87E9-5D91EDF04321}"/>
+                <a16:creationId xmlns="" xmlns:a16="http://schemas.microsoft.com/office/drawing/2014/main" id="{C0849DC6-910E-1212-87E9-5D91EDF04321}"/>
               </a:ext>
             </a:extLst>
           </p:cNvPr>
@@ -7236,7 +7236,7 @@
           <p:cNvPr id="4" name="Marcador de pie de página 3">
             <a:extLst>
               <a:ext uri="{FF2B5EF4-FFF2-40B4-BE49-F238E27FC236}">
-                <a16:creationId xmlns:a16="http://schemas.microsoft.com/office/drawing/2014/main" xmlns="" id="{6AC465A2-B629-9EFC-663F-3F807AD61A95}"/>
+                <a16:creationId xmlns="" xmlns:a16="http://schemas.microsoft.com/office/drawing/2014/main" id="{6AC465A2-B629-9EFC-663F-3F807AD61A95}"/>
               </a:ext>
             </a:extLst>
           </p:cNvPr>
@@ -7261,7 +7261,7 @@
           <p:cNvPr id="5" name="Marcador de número de diapositiva 4">
             <a:extLst>
               <a:ext uri="{FF2B5EF4-FFF2-40B4-BE49-F238E27FC236}">
-                <a16:creationId xmlns:a16="http://schemas.microsoft.com/office/drawing/2014/main" xmlns="" id="{7149893F-AB4A-EA91-D670-6E8677716A99}"/>
+                <a16:creationId xmlns="" xmlns:a16="http://schemas.microsoft.com/office/drawing/2014/main" id="{7149893F-AB4A-EA91-D670-6E8677716A99}"/>
               </a:ext>
             </a:extLst>
           </p:cNvPr>
@@ -7320,7 +7320,7 @@
           <p:cNvPr id="2" name="Marcador de fecha 1">
             <a:extLst>
               <a:ext uri="{FF2B5EF4-FFF2-40B4-BE49-F238E27FC236}">
-                <a16:creationId xmlns:a16="http://schemas.microsoft.com/office/drawing/2014/main" xmlns="" id="{3D8DCD30-7661-12EB-6BF3-7D6889A8D7E7}"/>
+                <a16:creationId xmlns="" xmlns:a16="http://schemas.microsoft.com/office/drawing/2014/main" id="{3D8DCD30-7661-12EB-6BF3-7D6889A8D7E7}"/>
               </a:ext>
             </a:extLst>
           </p:cNvPr>
@@ -7349,7 +7349,7 @@
           <p:cNvPr id="3" name="Marcador de pie de página 2">
             <a:extLst>
               <a:ext uri="{FF2B5EF4-FFF2-40B4-BE49-F238E27FC236}">
-                <a16:creationId xmlns:a16="http://schemas.microsoft.com/office/drawing/2014/main" xmlns="" id="{BCE383F0-BCD5-365A-30DE-4A37BDDD44D8}"/>
+                <a16:creationId xmlns="" xmlns:a16="http://schemas.microsoft.com/office/drawing/2014/main" id="{BCE383F0-BCD5-365A-30DE-4A37BDDD44D8}"/>
               </a:ext>
             </a:extLst>
           </p:cNvPr>
@@ -7374,7 +7374,7 @@
           <p:cNvPr id="4" name="Marcador de número de diapositiva 3">
             <a:extLst>
               <a:ext uri="{FF2B5EF4-FFF2-40B4-BE49-F238E27FC236}">
-                <a16:creationId xmlns:a16="http://schemas.microsoft.com/office/drawing/2014/main" xmlns="" id="{3062DF9B-A73E-907D-5239-FDDD3489CEF2}"/>
+                <a16:creationId xmlns="" xmlns:a16="http://schemas.microsoft.com/office/drawing/2014/main" id="{3062DF9B-A73E-907D-5239-FDDD3489CEF2}"/>
               </a:ext>
             </a:extLst>
           </p:cNvPr>
@@ -7438,7 +7438,7 @@
           <p:cNvPr id="2" name="Marcador de título 1">
             <a:extLst>
               <a:ext uri="{FF2B5EF4-FFF2-40B4-BE49-F238E27FC236}">
-                <a16:creationId xmlns:a16="http://schemas.microsoft.com/office/drawing/2014/main" xmlns="" id="{33F02CBE-7D56-9524-5799-3D4C40AEE1EF}"/>
+                <a16:creationId xmlns="" xmlns:a16="http://schemas.microsoft.com/office/drawing/2014/main" id="{33F02CBE-7D56-9524-5799-3D4C40AEE1EF}"/>
               </a:ext>
             </a:extLst>
           </p:cNvPr>
@@ -7476,7 +7476,7 @@
           <p:cNvPr id="3" name="Marcador de texto 2">
             <a:extLst>
               <a:ext uri="{FF2B5EF4-FFF2-40B4-BE49-F238E27FC236}">
-                <a16:creationId xmlns:a16="http://schemas.microsoft.com/office/drawing/2014/main" xmlns="" id="{A9053B17-0988-26D7-1416-D61D74DBE858}"/>
+                <a16:creationId xmlns="" xmlns:a16="http://schemas.microsoft.com/office/drawing/2014/main" id="{A9053B17-0988-26D7-1416-D61D74DBE858}"/>
               </a:ext>
             </a:extLst>
           </p:cNvPr>
@@ -7543,7 +7543,7 @@
           <p:cNvPr id="4" name="Marcador de fecha 3">
             <a:extLst>
               <a:ext uri="{FF2B5EF4-FFF2-40B4-BE49-F238E27FC236}">
-                <a16:creationId xmlns:a16="http://schemas.microsoft.com/office/drawing/2014/main" xmlns="" id="{3CFF87E4-E3EB-6979-BA49-637760E7BBC3}"/>
+                <a16:creationId xmlns="" xmlns:a16="http://schemas.microsoft.com/office/drawing/2014/main" id="{3CFF87E4-E3EB-6979-BA49-637760E7BBC3}"/>
               </a:ext>
             </a:extLst>
           </p:cNvPr>
@@ -7594,7 +7594,7 @@
           <p:cNvPr id="5" name="Marcador de pie de página 4">
             <a:extLst>
               <a:ext uri="{FF2B5EF4-FFF2-40B4-BE49-F238E27FC236}">
-                <a16:creationId xmlns:a16="http://schemas.microsoft.com/office/drawing/2014/main" xmlns="" id="{6143CCC9-3353-516C-3DED-6C05973EB5B8}"/>
+                <a16:creationId xmlns="" xmlns:a16="http://schemas.microsoft.com/office/drawing/2014/main" id="{6143CCC9-3353-516C-3DED-6C05973EB5B8}"/>
               </a:ext>
             </a:extLst>
           </p:cNvPr>
@@ -7640,7 +7640,7 @@
           <p:cNvPr id="6" name="Marcador de número de diapositiva 5">
             <a:extLst>
               <a:ext uri="{FF2B5EF4-FFF2-40B4-BE49-F238E27FC236}">
-                <a16:creationId xmlns:a16="http://schemas.microsoft.com/office/drawing/2014/main" xmlns="" id="{751E5BC1-66C6-23A3-45FC-6B13BC2B4A2D}"/>
+                <a16:creationId xmlns="" xmlns:a16="http://schemas.microsoft.com/office/drawing/2014/main" id="{751E5BC1-66C6-23A3-45FC-6B13BC2B4A2D}"/>
               </a:ext>
             </a:extLst>
           </p:cNvPr>
@@ -8010,7 +8010,7 @@
           <p:cNvPr id="3" name="Imagen 2">
             <a:extLst>
               <a:ext uri="{FF2B5EF4-FFF2-40B4-BE49-F238E27FC236}">
-                <a16:creationId xmlns:a16="http://schemas.microsoft.com/office/drawing/2014/main" xmlns="" id="{B7DCC1AE-CBB9-4F76-A8E3-CF73CD4FFFAE}"/>
+                <a16:creationId xmlns="" xmlns:a16="http://schemas.microsoft.com/office/drawing/2014/main" id="{B7DCC1AE-CBB9-4F76-A8E3-CF73CD4FFFAE}"/>
               </a:ext>
             </a:extLst>
           </p:cNvPr>
@@ -8039,7 +8039,7 @@
           <p:cNvPr id="15" name="Rectángulo 14">
             <a:extLst>
               <a:ext uri="{FF2B5EF4-FFF2-40B4-BE49-F238E27FC236}">
-                <a16:creationId xmlns:a16="http://schemas.microsoft.com/office/drawing/2014/main" xmlns="" id="{B0381972-7714-18E2-8087-DC6EBF8C2989}"/>
+                <a16:creationId xmlns="" xmlns:a16="http://schemas.microsoft.com/office/drawing/2014/main" id="{B0381972-7714-18E2-8087-DC6EBF8C2989}"/>
               </a:ext>
             </a:extLst>
           </p:cNvPr>
@@ -8158,7 +8158,7 @@
           <p:cNvPr id="2" name="Imagen 1">
             <a:extLst>
               <a:ext uri="{FF2B5EF4-FFF2-40B4-BE49-F238E27FC236}">
-                <a16:creationId xmlns:a16="http://schemas.microsoft.com/office/drawing/2014/main" xmlns="" id="{8495C0A0-4965-B406-97D2-0C73E97D488B}"/>
+                <a16:creationId xmlns="" xmlns:a16="http://schemas.microsoft.com/office/drawing/2014/main" id="{8495C0A0-4965-B406-97D2-0C73E97D488B}"/>
               </a:ext>
             </a:extLst>
           </p:cNvPr>
@@ -8188,7 +8188,7 @@
           <p:cNvPr id="23" name="Título 1">
             <a:extLst>
               <a:ext uri="{FF2B5EF4-FFF2-40B4-BE49-F238E27FC236}">
-                <a16:creationId xmlns:a16="http://schemas.microsoft.com/office/drawing/2014/main" xmlns="" id="{E1DD3CF2-B58E-FFFA-CC44-24E153BAAA08}"/>
+                <a16:creationId xmlns="" xmlns:a16="http://schemas.microsoft.com/office/drawing/2014/main" id="{E1DD3CF2-B58E-FFFA-CC44-24E153BAAA08}"/>
               </a:ext>
             </a:extLst>
           </p:cNvPr>
@@ -8258,7 +8258,7 @@
           <p:cNvPr id="24" name="Título 1">
             <a:extLst>
               <a:ext uri="{FF2B5EF4-FFF2-40B4-BE49-F238E27FC236}">
-                <a16:creationId xmlns:a16="http://schemas.microsoft.com/office/drawing/2014/main" xmlns="" id="{96653C20-5D73-6AC7-AD4D-29A9D6D74E1B}"/>
+                <a16:creationId xmlns="" xmlns:a16="http://schemas.microsoft.com/office/drawing/2014/main" id="{96653C20-5D73-6AC7-AD4D-29A9D6D74E1B}"/>
               </a:ext>
             </a:extLst>
           </p:cNvPr>
@@ -8327,7 +8327,7 @@
           <p:cNvPr id="43" name="Rectángulo redondeado 8">
             <a:extLst>
               <a:ext uri="{FF2B5EF4-FFF2-40B4-BE49-F238E27FC236}">
-                <a16:creationId xmlns="" xmlns:a16="http://schemas.microsoft.com/office/drawing/2014/main" id="{277BA7B5-969F-97FA-876B-9353DE62E89F}"/>
+                <a16:creationId xmlns:a16="http://schemas.microsoft.com/office/drawing/2014/main" xmlns="" id="{277BA7B5-969F-97FA-876B-9353DE62E89F}"/>
               </a:ext>
             </a:extLst>
           </p:cNvPr>
@@ -8381,7 +8381,7 @@
           <p:cNvPr id="44" name="Rectangle 68">
             <a:extLst>
               <a:ext uri="{FF2B5EF4-FFF2-40B4-BE49-F238E27FC236}">
-                <a16:creationId xmlns="" xmlns:a16="http://schemas.microsoft.com/office/drawing/2014/main" id="{2E170935-075B-E9F1-39F5-718251B4ECCC}"/>
+                <a16:creationId xmlns:a16="http://schemas.microsoft.com/office/drawing/2014/main" xmlns="" id="{2E170935-075B-E9F1-39F5-718251B4ECCC}"/>
               </a:ext>
             </a:extLst>
           </p:cNvPr>
@@ -10432,7 +10432,7 @@
           </a:ln>
           <a:extLst>
             <a:ext uri="{C572A759-6A51-4108-AA02-DFA0A04FC94B}">
-              <ma14:wrappingTextBoxFlag xmlns:ma14="http://schemas.microsoft.com/office/mac/drawingml/2011/main" xmlns:a14="http://schemas.microsoft.com/office/drawing/2010/main" xmlns:m="http://schemas.openxmlformats.org/officeDocument/2006/math" xmlns="" val="1"/>
+              <ma14:wrappingTextBoxFlag xmlns="" xmlns:m="http://schemas.openxmlformats.org/officeDocument/2006/math" xmlns:a14="http://schemas.microsoft.com/office/drawing/2010/main" xmlns:ma14="http://schemas.microsoft.com/office/mac/drawingml/2011/main" val="1"/>
             </a:ext>
           </a:extLst>
         </p:spPr>
@@ -10477,7 +10477,7 @@
           </a:ln>
           <a:extLst>
             <a:ext uri="{C572A759-6A51-4108-AA02-DFA0A04FC94B}">
-              <ma14:wrappingTextBoxFlag xmlns:ma14="http://schemas.microsoft.com/office/mac/drawingml/2011/main" xmlns:a14="http://schemas.microsoft.com/office/drawing/2010/main" xmlns:m="http://schemas.openxmlformats.org/officeDocument/2006/math" xmlns="" val="1"/>
+              <ma14:wrappingTextBoxFlag xmlns="" xmlns:m="http://schemas.openxmlformats.org/officeDocument/2006/math" xmlns:a14="http://schemas.microsoft.com/office/drawing/2010/main" xmlns:ma14="http://schemas.microsoft.com/office/mac/drawingml/2011/main" val="1"/>
             </a:ext>
           </a:extLst>
         </p:spPr>
@@ -10522,7 +10522,7 @@
           </a:ln>
           <a:extLst>
             <a:ext uri="{C572A759-6A51-4108-AA02-DFA0A04FC94B}">
-              <ma14:wrappingTextBoxFlag xmlns:ma14="http://schemas.microsoft.com/office/mac/drawingml/2011/main" xmlns:a14="http://schemas.microsoft.com/office/drawing/2010/main" xmlns:m="http://schemas.openxmlformats.org/officeDocument/2006/math" xmlns="" val="1"/>
+              <ma14:wrappingTextBoxFlag xmlns="" xmlns:m="http://schemas.openxmlformats.org/officeDocument/2006/math" xmlns:a14="http://schemas.microsoft.com/office/drawing/2010/main" xmlns:ma14="http://schemas.microsoft.com/office/mac/drawingml/2011/main" val="1"/>
             </a:ext>
           </a:extLst>
         </p:spPr>
@@ -10630,7 +10630,7 @@
             <a:effectLst/>
             <a:extLst>
               <a:ext uri="{C572A759-6A51-4108-AA02-DFA0A04FC94B}">
-                <ma14:wrappingTextBoxFlag xmlns:ma14="http://schemas.microsoft.com/office/mac/drawingml/2011/main" xmlns:a14="http://schemas.microsoft.com/office/drawing/2010/main" xmlns:m="http://schemas.openxmlformats.org/officeDocument/2006/math" xmlns="" val="1"/>
+                <ma14:wrappingTextBoxFlag xmlns="" xmlns:m="http://schemas.openxmlformats.org/officeDocument/2006/math" xmlns:a14="http://schemas.microsoft.com/office/drawing/2010/main" xmlns:ma14="http://schemas.microsoft.com/office/mac/drawingml/2011/main" val="1"/>
               </a:ext>
             </a:extLst>
           </p:spPr>
@@ -10745,7 +10745,7 @@
             <a:effectLst/>
             <a:extLst>
               <a:ext uri="{C572A759-6A51-4108-AA02-DFA0A04FC94B}">
-                <ma14:wrappingTextBoxFlag xmlns:ma14="http://schemas.microsoft.com/office/mac/drawingml/2011/main" xmlns:a14="http://schemas.microsoft.com/office/drawing/2010/main" xmlns:m="http://schemas.openxmlformats.org/officeDocument/2006/math" xmlns="" val="1"/>
+                <ma14:wrappingTextBoxFlag xmlns="" xmlns:m="http://schemas.openxmlformats.org/officeDocument/2006/math" xmlns:a14="http://schemas.microsoft.com/office/drawing/2010/main" xmlns:ma14="http://schemas.microsoft.com/office/mac/drawingml/2011/main" val="1"/>
               </a:ext>
             </a:extLst>
           </p:spPr>
@@ -10984,7 +10984,7 @@
     <a:masterClrMapping/>
   </p:clrMapOvr>
   <mc:AlternateContent xmlns:mc="http://schemas.openxmlformats.org/markup-compatibility/2006">
-    <mc:Choice xmlns:p159="http://schemas.microsoft.com/office/powerpoint/2015/09/main" xmlns="" Requires="p159">
+    <mc:Choice xmlns="" xmlns:p159="http://schemas.microsoft.com/office/powerpoint/2015/09/main" Requires="p159">
       <p:transition xmlns:p14="http://schemas.microsoft.com/office/powerpoint/2010/main" spd="slow" p14:dur="2000">
         <p159:morph option="byObject"/>
       </p:transition>
@@ -11109,7 +11109,7 @@
           <p:cNvPr id="2" name="Imagen 1">
             <a:extLst>
               <a:ext uri="{FF2B5EF4-FFF2-40B4-BE49-F238E27FC236}">
-                <a16:creationId xmlns:a16="http://schemas.microsoft.com/office/drawing/2014/main" xmlns="" id="{8495C0A0-4965-B406-97D2-0C73E97D488B}"/>
+                <a16:creationId xmlns="" xmlns:a16="http://schemas.microsoft.com/office/drawing/2014/main" id="{8495C0A0-4965-B406-97D2-0C73E97D488B}"/>
               </a:ext>
             </a:extLst>
           </p:cNvPr>
@@ -11139,7 +11139,7 @@
           <p:cNvPr id="23" name="Título 1">
             <a:extLst>
               <a:ext uri="{FF2B5EF4-FFF2-40B4-BE49-F238E27FC236}">
-                <a16:creationId xmlns:a16="http://schemas.microsoft.com/office/drawing/2014/main" xmlns="" id="{E1DD3CF2-B58E-FFFA-CC44-24E153BAAA08}"/>
+                <a16:creationId xmlns="" xmlns:a16="http://schemas.microsoft.com/office/drawing/2014/main" id="{E1DD3CF2-B58E-FFFA-CC44-24E153BAAA08}"/>
               </a:ext>
             </a:extLst>
           </p:cNvPr>
@@ -11209,7 +11209,7 @@
           <p:cNvPr id="24" name="Título 1">
             <a:extLst>
               <a:ext uri="{FF2B5EF4-FFF2-40B4-BE49-F238E27FC236}">
-                <a16:creationId xmlns:a16="http://schemas.microsoft.com/office/drawing/2014/main" xmlns="" id="{96653C20-5D73-6AC7-AD4D-29A9D6D74E1B}"/>
+                <a16:creationId xmlns="" xmlns:a16="http://schemas.microsoft.com/office/drawing/2014/main" id="{96653C20-5D73-6AC7-AD4D-29A9D6D74E1B}"/>
               </a:ext>
             </a:extLst>
           </p:cNvPr>
@@ -11278,7 +11278,7 @@
           <p:cNvPr id="122" name="Rectángulo redondeado 8">
             <a:extLst>
               <a:ext uri="{FF2B5EF4-FFF2-40B4-BE49-F238E27FC236}">
-                <a16:creationId xmlns="" xmlns:a16="http://schemas.microsoft.com/office/drawing/2014/main" id="{277BA7B5-969F-97FA-876B-9353DE62E89F}"/>
+                <a16:creationId xmlns:a16="http://schemas.microsoft.com/office/drawing/2014/main" xmlns="" id="{277BA7B5-969F-97FA-876B-9353DE62E89F}"/>
               </a:ext>
             </a:extLst>
           </p:cNvPr>
@@ -11332,7 +11332,7 @@
           <p:cNvPr id="123" name="Rectangle 68">
             <a:extLst>
               <a:ext uri="{FF2B5EF4-FFF2-40B4-BE49-F238E27FC236}">
-                <a16:creationId xmlns="" xmlns:a16="http://schemas.microsoft.com/office/drawing/2014/main" id="{2E170935-075B-E9F1-39F5-718251B4ECCC}"/>
+                <a16:creationId xmlns:a16="http://schemas.microsoft.com/office/drawing/2014/main" xmlns="" id="{2E170935-075B-E9F1-39F5-718251B4ECCC}"/>
               </a:ext>
             </a:extLst>
           </p:cNvPr>
@@ -13383,7 +13383,7 @@
           </a:ln>
           <a:extLst>
             <a:ext uri="{C572A759-6A51-4108-AA02-DFA0A04FC94B}">
-              <ma14:wrappingTextBoxFlag xmlns:ma14="http://schemas.microsoft.com/office/mac/drawingml/2011/main" xmlns:a14="http://schemas.microsoft.com/office/drawing/2010/main" xmlns:m="http://schemas.openxmlformats.org/officeDocument/2006/math" xmlns="" val="1"/>
+              <ma14:wrappingTextBoxFlag xmlns="" xmlns:m="http://schemas.openxmlformats.org/officeDocument/2006/math" xmlns:a14="http://schemas.microsoft.com/office/drawing/2010/main" xmlns:ma14="http://schemas.microsoft.com/office/mac/drawingml/2011/main" val="1"/>
             </a:ext>
           </a:extLst>
         </p:spPr>
@@ -13623,7 +13623,7 @@
           </a:ln>
           <a:extLst>
             <a:ext uri="{C572A759-6A51-4108-AA02-DFA0A04FC94B}">
-              <ma14:wrappingTextBoxFlag xmlns:ma14="http://schemas.microsoft.com/office/mac/drawingml/2011/main" xmlns:a14="http://schemas.microsoft.com/office/drawing/2010/main" xmlns:m="http://schemas.openxmlformats.org/officeDocument/2006/math" xmlns="" val="1"/>
+              <ma14:wrappingTextBoxFlag xmlns="" xmlns:m="http://schemas.openxmlformats.org/officeDocument/2006/math" xmlns:a14="http://schemas.microsoft.com/office/drawing/2010/main" xmlns:ma14="http://schemas.microsoft.com/office/mac/drawingml/2011/main" val="1"/>
             </a:ext>
           </a:extLst>
         </p:spPr>
@@ -13668,7 +13668,7 @@
           </a:ln>
           <a:extLst>
             <a:ext uri="{C572A759-6A51-4108-AA02-DFA0A04FC94B}">
-              <ma14:wrappingTextBoxFlag xmlns:ma14="http://schemas.microsoft.com/office/mac/drawingml/2011/main" xmlns:a14="http://schemas.microsoft.com/office/drawing/2010/main" xmlns:m="http://schemas.openxmlformats.org/officeDocument/2006/math" xmlns="" val="1"/>
+              <ma14:wrappingTextBoxFlag xmlns="" xmlns:m="http://schemas.openxmlformats.org/officeDocument/2006/math" xmlns:a14="http://schemas.microsoft.com/office/drawing/2010/main" xmlns:ma14="http://schemas.microsoft.com/office/mac/drawingml/2011/main" val="1"/>
             </a:ext>
           </a:extLst>
         </p:spPr>
@@ -13776,7 +13776,7 @@
             <a:effectLst/>
             <a:extLst>
               <a:ext uri="{C572A759-6A51-4108-AA02-DFA0A04FC94B}">
-                <ma14:wrappingTextBoxFlag xmlns:ma14="http://schemas.microsoft.com/office/mac/drawingml/2011/main" xmlns:a14="http://schemas.microsoft.com/office/drawing/2010/main" xmlns:m="http://schemas.openxmlformats.org/officeDocument/2006/math" xmlns="" val="1"/>
+                <ma14:wrappingTextBoxFlag xmlns="" xmlns:m="http://schemas.openxmlformats.org/officeDocument/2006/math" xmlns:a14="http://schemas.microsoft.com/office/drawing/2010/main" xmlns:ma14="http://schemas.microsoft.com/office/mac/drawingml/2011/main" val="1"/>
               </a:ext>
             </a:extLst>
           </p:spPr>
@@ -13891,7 +13891,7 @@
             <a:effectLst/>
             <a:extLst>
               <a:ext uri="{C572A759-6A51-4108-AA02-DFA0A04FC94B}">
-                <ma14:wrappingTextBoxFlag xmlns:ma14="http://schemas.microsoft.com/office/mac/drawingml/2011/main" xmlns:a14="http://schemas.microsoft.com/office/drawing/2010/main" xmlns:m="http://schemas.openxmlformats.org/officeDocument/2006/math" xmlns="" val="1"/>
+                <ma14:wrappingTextBoxFlag xmlns="" xmlns:m="http://schemas.openxmlformats.org/officeDocument/2006/math" xmlns:a14="http://schemas.microsoft.com/office/drawing/2010/main" xmlns:ma14="http://schemas.microsoft.com/office/mac/drawingml/2011/main" val="1"/>
               </a:ext>
             </a:extLst>
           </p:spPr>
@@ -14004,7 +14004,7 @@
             <a:effectLst/>
             <a:extLst>
               <a:ext uri="{C572A759-6A51-4108-AA02-DFA0A04FC94B}">
-                <ma14:wrappingTextBoxFlag xmlns:ma14="http://schemas.microsoft.com/office/mac/drawingml/2011/main" xmlns:a14="http://schemas.microsoft.com/office/drawing/2010/main" xmlns:m="http://schemas.openxmlformats.org/officeDocument/2006/math" xmlns="" val="1"/>
+                <ma14:wrappingTextBoxFlag xmlns="" xmlns:m="http://schemas.openxmlformats.org/officeDocument/2006/math" xmlns:a14="http://schemas.microsoft.com/office/drawing/2010/main" xmlns:ma14="http://schemas.microsoft.com/office/mac/drawingml/2011/main" val="1"/>
               </a:ext>
             </a:extLst>
           </p:spPr>
@@ -14075,7 +14075,7 @@
     <a:masterClrMapping/>
   </p:clrMapOvr>
   <mc:AlternateContent xmlns:mc="http://schemas.openxmlformats.org/markup-compatibility/2006">
-    <mc:Choice xmlns:p159="http://schemas.microsoft.com/office/powerpoint/2015/09/main" xmlns="" Requires="p159">
+    <mc:Choice xmlns="" xmlns:p159="http://schemas.microsoft.com/office/powerpoint/2015/09/main" Requires="p159">
       <p:transition xmlns:p14="http://schemas.microsoft.com/office/powerpoint/2010/main" spd="slow" p14:dur="2000">
         <p159:morph option="byObject"/>
       </p:transition>
@@ -14253,7 +14253,7 @@
           <p:cNvPr id="2" name="Imagen 1">
             <a:extLst>
               <a:ext uri="{FF2B5EF4-FFF2-40B4-BE49-F238E27FC236}">
-                <a16:creationId xmlns:a16="http://schemas.microsoft.com/office/drawing/2014/main" xmlns="" id="{8495C0A0-4965-B406-97D2-0C73E97D488B}"/>
+                <a16:creationId xmlns="" xmlns:a16="http://schemas.microsoft.com/office/drawing/2014/main" id="{8495C0A0-4965-B406-97D2-0C73E97D488B}"/>
               </a:ext>
             </a:extLst>
           </p:cNvPr>
@@ -14283,7 +14283,7 @@
           <p:cNvPr id="23" name="Título 1">
             <a:extLst>
               <a:ext uri="{FF2B5EF4-FFF2-40B4-BE49-F238E27FC236}">
-                <a16:creationId xmlns:a16="http://schemas.microsoft.com/office/drawing/2014/main" xmlns="" id="{E1DD3CF2-B58E-FFFA-CC44-24E153BAAA08}"/>
+                <a16:creationId xmlns="" xmlns:a16="http://schemas.microsoft.com/office/drawing/2014/main" id="{E1DD3CF2-B58E-FFFA-CC44-24E153BAAA08}"/>
               </a:ext>
             </a:extLst>
           </p:cNvPr>
@@ -14353,7 +14353,7 @@
           <p:cNvPr id="24" name="Título 1">
             <a:extLst>
               <a:ext uri="{FF2B5EF4-FFF2-40B4-BE49-F238E27FC236}">
-                <a16:creationId xmlns:a16="http://schemas.microsoft.com/office/drawing/2014/main" xmlns="" id="{96653C20-5D73-6AC7-AD4D-29A9D6D74E1B}"/>
+                <a16:creationId xmlns="" xmlns:a16="http://schemas.microsoft.com/office/drawing/2014/main" id="{96653C20-5D73-6AC7-AD4D-29A9D6D74E1B}"/>
               </a:ext>
             </a:extLst>
           </p:cNvPr>
@@ -14422,7 +14422,7 @@
           <p:cNvPr id="122" name="Rectángulo redondeado 8">
             <a:extLst>
               <a:ext uri="{FF2B5EF4-FFF2-40B4-BE49-F238E27FC236}">
-                <a16:creationId xmlns="" xmlns:a16="http://schemas.microsoft.com/office/drawing/2014/main" id="{277BA7B5-969F-97FA-876B-9353DE62E89F}"/>
+                <a16:creationId xmlns:a16="http://schemas.microsoft.com/office/drawing/2014/main" xmlns="" id="{277BA7B5-969F-97FA-876B-9353DE62E89F}"/>
               </a:ext>
             </a:extLst>
           </p:cNvPr>
@@ -14476,7 +14476,7 @@
           <p:cNvPr id="123" name="Rectangle 68">
             <a:extLst>
               <a:ext uri="{FF2B5EF4-FFF2-40B4-BE49-F238E27FC236}">
-                <a16:creationId xmlns="" xmlns:a16="http://schemas.microsoft.com/office/drawing/2014/main" id="{2E170935-075B-E9F1-39F5-718251B4ECCC}"/>
+                <a16:creationId xmlns:a16="http://schemas.microsoft.com/office/drawing/2014/main" xmlns="" id="{2E170935-075B-E9F1-39F5-718251B4ECCC}"/>
               </a:ext>
             </a:extLst>
           </p:cNvPr>
@@ -16527,7 +16527,7 @@
           </a:ln>
           <a:extLst>
             <a:ext uri="{C572A759-6A51-4108-AA02-DFA0A04FC94B}">
-              <ma14:wrappingTextBoxFlag xmlns:ma14="http://schemas.microsoft.com/office/mac/drawingml/2011/main" xmlns:a14="http://schemas.microsoft.com/office/drawing/2010/main" xmlns:m="http://schemas.openxmlformats.org/officeDocument/2006/math" xmlns="" val="1"/>
+              <ma14:wrappingTextBoxFlag xmlns="" xmlns:m="http://schemas.openxmlformats.org/officeDocument/2006/math" xmlns:a14="http://schemas.microsoft.com/office/drawing/2010/main" xmlns:ma14="http://schemas.microsoft.com/office/mac/drawingml/2011/main" val="1"/>
             </a:ext>
           </a:extLst>
         </p:spPr>
@@ -16767,7 +16767,7 @@
           </a:ln>
           <a:extLst>
             <a:ext uri="{C572A759-6A51-4108-AA02-DFA0A04FC94B}">
-              <ma14:wrappingTextBoxFlag xmlns:ma14="http://schemas.microsoft.com/office/mac/drawingml/2011/main" xmlns:a14="http://schemas.microsoft.com/office/drawing/2010/main" xmlns:m="http://schemas.openxmlformats.org/officeDocument/2006/math" xmlns="" val="1"/>
+              <ma14:wrappingTextBoxFlag xmlns="" xmlns:m="http://schemas.openxmlformats.org/officeDocument/2006/math" xmlns:a14="http://schemas.microsoft.com/office/drawing/2010/main" xmlns:ma14="http://schemas.microsoft.com/office/mac/drawingml/2011/main" val="1"/>
             </a:ext>
           </a:extLst>
         </p:spPr>
@@ -16812,7 +16812,7 @@
           </a:ln>
           <a:extLst>
             <a:ext uri="{C572A759-6A51-4108-AA02-DFA0A04FC94B}">
-              <ma14:wrappingTextBoxFlag xmlns:ma14="http://schemas.microsoft.com/office/mac/drawingml/2011/main" xmlns:a14="http://schemas.microsoft.com/office/drawing/2010/main" xmlns:m="http://schemas.openxmlformats.org/officeDocument/2006/math" xmlns="" val="1"/>
+              <ma14:wrappingTextBoxFlag xmlns="" xmlns:m="http://schemas.openxmlformats.org/officeDocument/2006/math" xmlns:a14="http://schemas.microsoft.com/office/drawing/2010/main" xmlns:ma14="http://schemas.microsoft.com/office/mac/drawingml/2011/main" val="1"/>
             </a:ext>
           </a:extLst>
         </p:spPr>
@@ -16920,7 +16920,7 @@
             <a:effectLst/>
             <a:extLst>
               <a:ext uri="{C572A759-6A51-4108-AA02-DFA0A04FC94B}">
-                <ma14:wrappingTextBoxFlag xmlns:ma14="http://schemas.microsoft.com/office/mac/drawingml/2011/main" xmlns:a14="http://schemas.microsoft.com/office/drawing/2010/main" xmlns:m="http://schemas.openxmlformats.org/officeDocument/2006/math" xmlns="" val="1"/>
+                <ma14:wrappingTextBoxFlag xmlns="" xmlns:m="http://schemas.openxmlformats.org/officeDocument/2006/math" xmlns:a14="http://schemas.microsoft.com/office/drawing/2010/main" xmlns:ma14="http://schemas.microsoft.com/office/mac/drawingml/2011/main" val="1"/>
               </a:ext>
             </a:extLst>
           </p:spPr>
@@ -17035,7 +17035,7 @@
             <a:effectLst/>
             <a:extLst>
               <a:ext uri="{C572A759-6A51-4108-AA02-DFA0A04FC94B}">
-                <ma14:wrappingTextBoxFlag xmlns:ma14="http://schemas.microsoft.com/office/mac/drawingml/2011/main" xmlns:a14="http://schemas.microsoft.com/office/drawing/2010/main" xmlns:m="http://schemas.openxmlformats.org/officeDocument/2006/math" xmlns="" val="1"/>
+                <ma14:wrappingTextBoxFlag xmlns="" xmlns:m="http://schemas.openxmlformats.org/officeDocument/2006/math" xmlns:a14="http://schemas.microsoft.com/office/drawing/2010/main" xmlns:ma14="http://schemas.microsoft.com/office/mac/drawingml/2011/main" val="1"/>
               </a:ext>
             </a:extLst>
           </p:spPr>
@@ -17148,7 +17148,7 @@
             <a:effectLst/>
             <a:extLst>
               <a:ext uri="{C572A759-6A51-4108-AA02-DFA0A04FC94B}">
-                <ma14:wrappingTextBoxFlag xmlns:ma14="http://schemas.microsoft.com/office/mac/drawingml/2011/main" xmlns:a14="http://schemas.microsoft.com/office/drawing/2010/main" xmlns:m="http://schemas.openxmlformats.org/officeDocument/2006/math" xmlns="" val="1"/>
+                <ma14:wrappingTextBoxFlag xmlns="" xmlns:m="http://schemas.openxmlformats.org/officeDocument/2006/math" xmlns:a14="http://schemas.microsoft.com/office/drawing/2010/main" xmlns:ma14="http://schemas.microsoft.com/office/mac/drawingml/2011/main" val="1"/>
               </a:ext>
             </a:extLst>
           </p:spPr>
@@ -17219,7 +17219,7 @@
     <a:masterClrMapping/>
   </p:clrMapOvr>
   <mc:AlternateContent xmlns:mc="http://schemas.openxmlformats.org/markup-compatibility/2006">
-    <mc:Choice xmlns:p159="http://schemas.microsoft.com/office/powerpoint/2015/09/main" xmlns="" Requires="p159">
+    <mc:Choice xmlns="" xmlns:p159="http://schemas.microsoft.com/office/powerpoint/2015/09/main" Requires="p159">
       <p:transition xmlns:p14="http://schemas.microsoft.com/office/powerpoint/2010/main" spd="slow" p14:dur="2000">
         <p159:morph option="byObject"/>
       </p:transition>
@@ -17344,7 +17344,7 @@
           <p:cNvPr id="2" name="Imagen 1">
             <a:extLst>
               <a:ext uri="{FF2B5EF4-FFF2-40B4-BE49-F238E27FC236}">
-                <a16:creationId xmlns:a16="http://schemas.microsoft.com/office/drawing/2014/main" xmlns="" id="{8495C0A0-4965-B406-97D2-0C73E97D488B}"/>
+                <a16:creationId xmlns="" xmlns:a16="http://schemas.microsoft.com/office/drawing/2014/main" id="{8495C0A0-4965-B406-97D2-0C73E97D488B}"/>
               </a:ext>
             </a:extLst>
           </p:cNvPr>
@@ -17374,7 +17374,7 @@
           <p:cNvPr id="23" name="Título 1">
             <a:extLst>
               <a:ext uri="{FF2B5EF4-FFF2-40B4-BE49-F238E27FC236}">
-                <a16:creationId xmlns:a16="http://schemas.microsoft.com/office/drawing/2014/main" xmlns="" id="{E1DD3CF2-B58E-FFFA-CC44-24E153BAAA08}"/>
+                <a16:creationId xmlns="" xmlns:a16="http://schemas.microsoft.com/office/drawing/2014/main" id="{E1DD3CF2-B58E-FFFA-CC44-24E153BAAA08}"/>
               </a:ext>
             </a:extLst>
           </p:cNvPr>
@@ -17444,7 +17444,7 @@
           <p:cNvPr id="24" name="Título 1">
             <a:extLst>
               <a:ext uri="{FF2B5EF4-FFF2-40B4-BE49-F238E27FC236}">
-                <a16:creationId xmlns:a16="http://schemas.microsoft.com/office/drawing/2014/main" xmlns="" id="{96653C20-5D73-6AC7-AD4D-29A9D6D74E1B}"/>
+                <a16:creationId xmlns="" xmlns:a16="http://schemas.microsoft.com/office/drawing/2014/main" id="{96653C20-5D73-6AC7-AD4D-29A9D6D74E1B}"/>
               </a:ext>
             </a:extLst>
           </p:cNvPr>
@@ -17513,7 +17513,7 @@
           <p:cNvPr id="122" name="Rectángulo redondeado 8">
             <a:extLst>
               <a:ext uri="{FF2B5EF4-FFF2-40B4-BE49-F238E27FC236}">
-                <a16:creationId xmlns="" xmlns:a16="http://schemas.microsoft.com/office/drawing/2014/main" id="{277BA7B5-969F-97FA-876B-9353DE62E89F}"/>
+                <a16:creationId xmlns:a16="http://schemas.microsoft.com/office/drawing/2014/main" xmlns="" id="{277BA7B5-969F-97FA-876B-9353DE62E89F}"/>
               </a:ext>
             </a:extLst>
           </p:cNvPr>
@@ -17567,7 +17567,7 @@
           <p:cNvPr id="123" name="Rectangle 68">
             <a:extLst>
               <a:ext uri="{FF2B5EF4-FFF2-40B4-BE49-F238E27FC236}">
-                <a16:creationId xmlns="" xmlns:a16="http://schemas.microsoft.com/office/drawing/2014/main" id="{2E170935-075B-E9F1-39F5-718251B4ECCC}"/>
+                <a16:creationId xmlns:a16="http://schemas.microsoft.com/office/drawing/2014/main" xmlns="" id="{2E170935-075B-E9F1-39F5-718251B4ECCC}"/>
               </a:ext>
             </a:extLst>
           </p:cNvPr>
@@ -19618,7 +19618,7 @@
           </a:ln>
           <a:extLst>
             <a:ext uri="{C572A759-6A51-4108-AA02-DFA0A04FC94B}">
-              <ma14:wrappingTextBoxFlag xmlns:ma14="http://schemas.microsoft.com/office/mac/drawingml/2011/main" xmlns:a14="http://schemas.microsoft.com/office/drawing/2010/main" xmlns:m="http://schemas.openxmlformats.org/officeDocument/2006/math" xmlns="" val="1"/>
+              <ma14:wrappingTextBoxFlag xmlns="" xmlns:m="http://schemas.openxmlformats.org/officeDocument/2006/math" xmlns:a14="http://schemas.microsoft.com/office/drawing/2010/main" xmlns:ma14="http://schemas.microsoft.com/office/mac/drawingml/2011/main" val="1"/>
             </a:ext>
           </a:extLst>
         </p:spPr>
@@ -19858,7 +19858,7 @@
           </a:ln>
           <a:extLst>
             <a:ext uri="{C572A759-6A51-4108-AA02-DFA0A04FC94B}">
-              <ma14:wrappingTextBoxFlag xmlns:ma14="http://schemas.microsoft.com/office/mac/drawingml/2011/main" xmlns:a14="http://schemas.microsoft.com/office/drawing/2010/main" xmlns:m="http://schemas.openxmlformats.org/officeDocument/2006/math" xmlns="" val="1"/>
+              <ma14:wrappingTextBoxFlag xmlns="" xmlns:m="http://schemas.openxmlformats.org/officeDocument/2006/math" xmlns:a14="http://schemas.microsoft.com/office/drawing/2010/main" xmlns:ma14="http://schemas.microsoft.com/office/mac/drawingml/2011/main" val="1"/>
             </a:ext>
           </a:extLst>
         </p:spPr>
@@ -19903,7 +19903,7 @@
           </a:ln>
           <a:extLst>
             <a:ext uri="{C572A759-6A51-4108-AA02-DFA0A04FC94B}">
-              <ma14:wrappingTextBoxFlag xmlns:ma14="http://schemas.microsoft.com/office/mac/drawingml/2011/main" xmlns:a14="http://schemas.microsoft.com/office/drawing/2010/main" xmlns:m="http://schemas.openxmlformats.org/officeDocument/2006/math" xmlns="" val="1"/>
+              <ma14:wrappingTextBoxFlag xmlns="" xmlns:m="http://schemas.openxmlformats.org/officeDocument/2006/math" xmlns:a14="http://schemas.microsoft.com/office/drawing/2010/main" xmlns:ma14="http://schemas.microsoft.com/office/mac/drawingml/2011/main" val="1"/>
             </a:ext>
           </a:extLst>
         </p:spPr>
@@ -20011,7 +20011,7 @@
             <a:effectLst/>
             <a:extLst>
               <a:ext uri="{C572A759-6A51-4108-AA02-DFA0A04FC94B}">
-                <ma14:wrappingTextBoxFlag xmlns:ma14="http://schemas.microsoft.com/office/mac/drawingml/2011/main" xmlns:a14="http://schemas.microsoft.com/office/drawing/2010/main" xmlns:m="http://schemas.openxmlformats.org/officeDocument/2006/math" xmlns="" val="1"/>
+                <ma14:wrappingTextBoxFlag xmlns="" xmlns:m="http://schemas.openxmlformats.org/officeDocument/2006/math" xmlns:a14="http://schemas.microsoft.com/office/drawing/2010/main" xmlns:ma14="http://schemas.microsoft.com/office/mac/drawingml/2011/main" val="1"/>
               </a:ext>
             </a:extLst>
           </p:spPr>
@@ -20126,7 +20126,7 @@
             <a:effectLst/>
             <a:extLst>
               <a:ext uri="{C572A759-6A51-4108-AA02-DFA0A04FC94B}">
-                <ma14:wrappingTextBoxFlag xmlns:ma14="http://schemas.microsoft.com/office/mac/drawingml/2011/main" xmlns:a14="http://schemas.microsoft.com/office/drawing/2010/main" xmlns:m="http://schemas.openxmlformats.org/officeDocument/2006/math" xmlns="" val="1"/>
+                <ma14:wrappingTextBoxFlag xmlns="" xmlns:m="http://schemas.openxmlformats.org/officeDocument/2006/math" xmlns:a14="http://schemas.microsoft.com/office/drawing/2010/main" xmlns:ma14="http://schemas.microsoft.com/office/mac/drawingml/2011/main" val="1"/>
               </a:ext>
             </a:extLst>
           </p:spPr>
@@ -20239,7 +20239,7 @@
             <a:effectLst/>
             <a:extLst>
               <a:ext uri="{C572A759-6A51-4108-AA02-DFA0A04FC94B}">
-                <ma14:wrappingTextBoxFlag xmlns:ma14="http://schemas.microsoft.com/office/mac/drawingml/2011/main" xmlns:a14="http://schemas.microsoft.com/office/drawing/2010/main" xmlns:m="http://schemas.openxmlformats.org/officeDocument/2006/math" xmlns="" val="1"/>
+                <ma14:wrappingTextBoxFlag xmlns="" xmlns:m="http://schemas.openxmlformats.org/officeDocument/2006/math" xmlns:a14="http://schemas.microsoft.com/office/drawing/2010/main" xmlns:ma14="http://schemas.microsoft.com/office/mac/drawingml/2011/main" val="1"/>
               </a:ext>
             </a:extLst>
           </p:spPr>
@@ -20377,7 +20377,7 @@
             <a:effectLst/>
             <a:extLst>
               <a:ext uri="{C572A759-6A51-4108-AA02-DFA0A04FC94B}">
-                <ma14:wrappingTextBoxFlag xmlns:ma14="http://schemas.microsoft.com/office/mac/drawingml/2011/main" xmlns:a14="http://schemas.microsoft.com/office/drawing/2010/main" xmlns:m="http://schemas.openxmlformats.org/officeDocument/2006/math" xmlns="" val="1"/>
+                <ma14:wrappingTextBoxFlag xmlns="" xmlns:m="http://schemas.openxmlformats.org/officeDocument/2006/math" xmlns:a14="http://schemas.microsoft.com/office/drawing/2010/main" xmlns:ma14="http://schemas.microsoft.com/office/mac/drawingml/2011/main" val="1"/>
               </a:ext>
             </a:extLst>
           </p:spPr>
@@ -20461,7 +20461,7 @@
     <a:masterClrMapping/>
   </p:clrMapOvr>
   <mc:AlternateContent xmlns:mc="http://schemas.openxmlformats.org/markup-compatibility/2006">
-    <mc:Choice xmlns:p159="http://schemas.microsoft.com/office/powerpoint/2015/09/main" xmlns="" Requires="p159">
+    <mc:Choice xmlns="" xmlns:p159="http://schemas.microsoft.com/office/powerpoint/2015/09/main" Requires="p159">
       <p:transition xmlns:p14="http://schemas.microsoft.com/office/powerpoint/2010/main" spd="slow" p14:dur="2000">
         <p159:morph option="byObject"/>
       </p:transition>
@@ -20586,7 +20586,7 @@
           <p:cNvPr id="3" name="Imagen 4" descr="Patrón de fondo&#10;&#10;Descripción generada automáticamente">
             <a:extLst>
               <a:ext uri="{FF2B5EF4-FFF2-40B4-BE49-F238E27FC236}">
-                <a16:creationId xmlns:a16="http://schemas.microsoft.com/office/drawing/2014/main" xmlns="" id="{97C89B70-EF02-7CD2-8BA6-A8D10423ABE3}"/>
+                <a16:creationId xmlns="" xmlns:a16="http://schemas.microsoft.com/office/drawing/2014/main" id="{97C89B70-EF02-7CD2-8BA6-A8D10423ABE3}"/>
               </a:ext>
             </a:extLst>
           </p:cNvPr>
@@ -20616,7 +20616,7 @@
           <p:cNvPr id="5" name="Elipse 4">
             <a:extLst>
               <a:ext uri="{FF2B5EF4-FFF2-40B4-BE49-F238E27FC236}">
-                <a16:creationId xmlns:a16="http://schemas.microsoft.com/office/drawing/2014/main" xmlns="" id="{0F317218-5C09-7C8D-95AF-3CF18A8ADE15}"/>
+                <a16:creationId xmlns="" xmlns:a16="http://schemas.microsoft.com/office/drawing/2014/main" id="{0F317218-5C09-7C8D-95AF-3CF18A8ADE15}"/>
               </a:ext>
             </a:extLst>
           </p:cNvPr>
@@ -20771,7 +20771,7 @@
           <p:cNvPr id="2" name="Imagen 1">
             <a:extLst>
               <a:ext uri="{FF2B5EF4-FFF2-40B4-BE49-F238E27FC236}">
-                <a16:creationId xmlns:a16="http://schemas.microsoft.com/office/drawing/2014/main" xmlns="" id="{85016D0E-40C7-21A4-2C35-1FA39C6BAAFB}"/>
+                <a16:creationId xmlns="" xmlns:a16="http://schemas.microsoft.com/office/drawing/2014/main" id="{85016D0E-40C7-21A4-2C35-1FA39C6BAAFB}"/>
               </a:ext>
             </a:extLst>
           </p:cNvPr>
@@ -20801,7 +20801,7 @@
           <p:cNvPr id="7" name="Título 1">
             <a:extLst>
               <a:ext uri="{FF2B5EF4-FFF2-40B4-BE49-F238E27FC236}">
-                <a16:creationId xmlns:a16="http://schemas.microsoft.com/office/drawing/2014/main" xmlns="" id="{1D6ADDBA-23A0-3F0C-A751-4D27B1186164}"/>
+                <a16:creationId xmlns="" xmlns:a16="http://schemas.microsoft.com/office/drawing/2014/main" id="{1D6ADDBA-23A0-3F0C-A751-4D27B1186164}"/>
               </a:ext>
             </a:extLst>
           </p:cNvPr>
@@ -20868,7 +20868,7 @@
           <p:cNvPr id="9" name="Grupo 8">
             <a:extLst>
               <a:ext uri="{FF2B5EF4-FFF2-40B4-BE49-F238E27FC236}">
-                <a16:creationId xmlns:a16="http://schemas.microsoft.com/office/drawing/2014/main" xmlns="" id="{40ED7E97-64A8-D976-0F29-1DEF8801A401}"/>
+                <a16:creationId xmlns="" xmlns:a16="http://schemas.microsoft.com/office/drawing/2014/main" id="{40ED7E97-64A8-D976-0F29-1DEF8801A401}"/>
               </a:ext>
             </a:extLst>
           </p:cNvPr>
@@ -20888,7 +20888,7 @@
             <p:cNvPr id="10" name="Título 1">
               <a:extLst>
                 <a:ext uri="{FF2B5EF4-FFF2-40B4-BE49-F238E27FC236}">
-                  <a16:creationId xmlns:a16="http://schemas.microsoft.com/office/drawing/2014/main" xmlns="" id="{57AE4584-CD8A-2B27-4640-94E79BA9B4CA}"/>
+                  <a16:creationId xmlns="" xmlns:a16="http://schemas.microsoft.com/office/drawing/2014/main" id="{57AE4584-CD8A-2B27-4640-94E79BA9B4CA}"/>
                 </a:ext>
               </a:extLst>
             </p:cNvPr>
@@ -20966,7 +20966,7 @@
             <p:cNvPr id="11" name="Conector recto 10">
               <a:extLst>
                 <a:ext uri="{FF2B5EF4-FFF2-40B4-BE49-F238E27FC236}">
-                  <a16:creationId xmlns:a16="http://schemas.microsoft.com/office/drawing/2014/main" xmlns="" id="{9C4F81BE-0190-2D19-F467-34129404F5B8}"/>
+                  <a16:creationId xmlns="" xmlns:a16="http://schemas.microsoft.com/office/drawing/2014/main" id="{9C4F81BE-0190-2D19-F467-34129404F5B8}"/>
                 </a:ext>
               </a:extLst>
             </p:cNvPr>
@@ -21050,7 +21050,7 @@
           <p:cNvPr id="2" name="Imagen 1">
             <a:extLst>
               <a:ext uri="{FF2B5EF4-FFF2-40B4-BE49-F238E27FC236}">
-                <a16:creationId xmlns:a16="http://schemas.microsoft.com/office/drawing/2014/main" xmlns="" id="{8495C0A0-4965-B406-97D2-0C73E97D488B}"/>
+                <a16:creationId xmlns="" xmlns:a16="http://schemas.microsoft.com/office/drawing/2014/main" id="{8495C0A0-4965-B406-97D2-0C73E97D488B}"/>
               </a:ext>
             </a:extLst>
           </p:cNvPr>
@@ -21080,7 +21080,7 @@
           <p:cNvPr id="3" name="Marcador de número de diapositiva 3">
             <a:extLst>
               <a:ext uri="{FF2B5EF4-FFF2-40B4-BE49-F238E27FC236}">
-                <a16:creationId xmlns:a16="http://schemas.microsoft.com/office/drawing/2014/main" xmlns="" id="{958FBA5A-A58E-C697-8203-4F8B9AE81A4E}"/>
+                <a16:creationId xmlns="" xmlns:a16="http://schemas.microsoft.com/office/drawing/2014/main" id="{958FBA5A-A58E-C697-8203-4F8B9AE81A4E}"/>
               </a:ext>
             </a:extLst>
           </p:cNvPr>
@@ -21114,7 +21114,7 @@
           <p:cNvPr id="23" name="Título 1">
             <a:extLst>
               <a:ext uri="{FF2B5EF4-FFF2-40B4-BE49-F238E27FC236}">
-                <a16:creationId xmlns:a16="http://schemas.microsoft.com/office/drawing/2014/main" xmlns="" id="{E1DD3CF2-B58E-FFFA-CC44-24E153BAAA08}"/>
+                <a16:creationId xmlns="" xmlns:a16="http://schemas.microsoft.com/office/drawing/2014/main" id="{E1DD3CF2-B58E-FFFA-CC44-24E153BAAA08}"/>
               </a:ext>
             </a:extLst>
           </p:cNvPr>
@@ -21184,7 +21184,7 @@
           <p:cNvPr id="24" name="Título 1">
             <a:extLst>
               <a:ext uri="{FF2B5EF4-FFF2-40B4-BE49-F238E27FC236}">
-                <a16:creationId xmlns:a16="http://schemas.microsoft.com/office/drawing/2014/main" xmlns="" id="{96653C20-5D73-6AC7-AD4D-29A9D6D74E1B}"/>
+                <a16:creationId xmlns="" xmlns:a16="http://schemas.microsoft.com/office/drawing/2014/main" id="{96653C20-5D73-6AC7-AD4D-29A9D6D74E1B}"/>
               </a:ext>
             </a:extLst>
           </p:cNvPr>
@@ -23116,7 +23116,7 @@
             <a:effectLst/>
             <a:extLst>
               <a:ext uri="{C572A759-6A51-4108-AA02-DFA0A04FC94B}">
-                <ma14:wrappingTextBoxFlag xmlns:ma14="http://schemas.microsoft.com/office/mac/drawingml/2011/main" xmlns:a14="http://schemas.microsoft.com/office/drawing/2010/main" xmlns:m="http://schemas.openxmlformats.org/officeDocument/2006/math" xmlns="" val="1"/>
+                <ma14:wrappingTextBoxFlag xmlns="" xmlns:m="http://schemas.openxmlformats.org/officeDocument/2006/math" xmlns:a14="http://schemas.microsoft.com/office/drawing/2010/main" xmlns:ma14="http://schemas.microsoft.com/office/mac/drawingml/2011/main" val="1"/>
               </a:ext>
             </a:extLst>
           </p:spPr>
@@ -23165,7 +23165,7 @@
           </a:ln>
           <a:extLst>
             <a:ext uri="{C572A759-6A51-4108-AA02-DFA0A04FC94B}">
-              <ma14:wrappingTextBoxFlag xmlns:ma14="http://schemas.microsoft.com/office/mac/drawingml/2011/main" xmlns:a14="http://schemas.microsoft.com/office/drawing/2010/main" xmlns:m="http://schemas.openxmlformats.org/officeDocument/2006/math" xmlns="" val="1"/>
+              <ma14:wrappingTextBoxFlag xmlns="" xmlns:m="http://schemas.openxmlformats.org/officeDocument/2006/math" xmlns:a14="http://schemas.microsoft.com/office/drawing/2010/main" xmlns:ma14="http://schemas.microsoft.com/office/mac/drawingml/2011/main" val="1"/>
             </a:ext>
           </a:extLst>
         </p:spPr>
@@ -23210,7 +23210,7 @@
           </a:ln>
           <a:extLst>
             <a:ext uri="{C572A759-6A51-4108-AA02-DFA0A04FC94B}">
-              <ma14:wrappingTextBoxFlag xmlns:ma14="http://schemas.microsoft.com/office/mac/drawingml/2011/main" xmlns:a14="http://schemas.microsoft.com/office/drawing/2010/main" xmlns:m="http://schemas.openxmlformats.org/officeDocument/2006/math" xmlns="" val="1"/>
+              <ma14:wrappingTextBoxFlag xmlns="" xmlns:m="http://schemas.openxmlformats.org/officeDocument/2006/math" xmlns:a14="http://schemas.microsoft.com/office/drawing/2010/main" xmlns:ma14="http://schemas.microsoft.com/office/mac/drawingml/2011/main" val="1"/>
             </a:ext>
           </a:extLst>
         </p:spPr>
@@ -23318,7 +23318,7 @@
             <a:effectLst/>
             <a:extLst>
               <a:ext uri="{C572A759-6A51-4108-AA02-DFA0A04FC94B}">
-                <ma14:wrappingTextBoxFlag xmlns:ma14="http://schemas.microsoft.com/office/mac/drawingml/2011/main" xmlns:a14="http://schemas.microsoft.com/office/drawing/2010/main" xmlns:m="http://schemas.openxmlformats.org/officeDocument/2006/math" xmlns="" val="1"/>
+                <ma14:wrappingTextBoxFlag xmlns="" xmlns:m="http://schemas.openxmlformats.org/officeDocument/2006/math" xmlns:a14="http://schemas.microsoft.com/office/drawing/2010/main" xmlns:ma14="http://schemas.microsoft.com/office/mac/drawingml/2011/main" val="1"/>
               </a:ext>
             </a:extLst>
           </p:spPr>
@@ -23433,7 +23433,7 @@
             <a:effectLst/>
             <a:extLst>
               <a:ext uri="{C572A759-6A51-4108-AA02-DFA0A04FC94B}">
-                <ma14:wrappingTextBoxFlag xmlns:ma14="http://schemas.microsoft.com/office/mac/drawingml/2011/main" xmlns:a14="http://schemas.microsoft.com/office/drawing/2010/main" xmlns:m="http://schemas.openxmlformats.org/officeDocument/2006/math" xmlns="" val="1"/>
+                <ma14:wrappingTextBoxFlag xmlns="" xmlns:m="http://schemas.openxmlformats.org/officeDocument/2006/math" xmlns:a14="http://schemas.microsoft.com/office/drawing/2010/main" xmlns:ma14="http://schemas.microsoft.com/office/mac/drawingml/2011/main" val="1"/>
               </a:ext>
             </a:extLst>
           </p:spPr>
@@ -23471,7 +23471,7 @@
           <p:cNvPr id="122" name="Rectángulo redondeado 8">
             <a:extLst>
               <a:ext uri="{FF2B5EF4-FFF2-40B4-BE49-F238E27FC236}">
-                <a16:creationId xmlns="" xmlns:a16="http://schemas.microsoft.com/office/drawing/2014/main" id="{277BA7B5-969F-97FA-876B-9353DE62E89F}"/>
+                <a16:creationId xmlns:a16="http://schemas.microsoft.com/office/drawing/2014/main" xmlns="" id="{277BA7B5-969F-97FA-876B-9353DE62E89F}"/>
               </a:ext>
             </a:extLst>
           </p:cNvPr>
@@ -23525,7 +23525,7 @@
           <p:cNvPr id="123" name="Rectangle 68">
             <a:extLst>
               <a:ext uri="{FF2B5EF4-FFF2-40B4-BE49-F238E27FC236}">
-                <a16:creationId xmlns="" xmlns:a16="http://schemas.microsoft.com/office/drawing/2014/main" id="{2E170935-075B-E9F1-39F5-718251B4ECCC}"/>
+                <a16:creationId xmlns:a16="http://schemas.microsoft.com/office/drawing/2014/main" xmlns="" id="{2E170935-075B-E9F1-39F5-718251B4ECCC}"/>
               </a:ext>
             </a:extLst>
           </p:cNvPr>
@@ -23574,76 +23574,6 @@
           </a:p>
         </p:txBody>
       </p:sp>
-      <p:cxnSp>
-        <p:nvCxnSpPr>
-          <p:cNvPr id="5" name="Straight Connector 4"/>
-          <p:cNvCxnSpPr/>
-          <p:nvPr/>
-        </p:nvCxnSpPr>
-        <p:spPr>
-          <a:xfrm>
-            <a:off x="1392639" y="4026217"/>
-            <a:ext cx="0" cy="2794417"/>
-          </a:xfrm>
-          <a:prstGeom prst="line">
-            <a:avLst/>
-          </a:prstGeom>
-          <a:ln>
-            <a:solidFill>
-              <a:schemeClr val="tx1"/>
-            </a:solidFill>
-          </a:ln>
-        </p:spPr>
-        <p:style>
-          <a:lnRef idx="1">
-            <a:schemeClr val="accent1"/>
-          </a:lnRef>
-          <a:fillRef idx="0">
-            <a:schemeClr val="accent1"/>
-          </a:fillRef>
-          <a:effectRef idx="0">
-            <a:schemeClr val="accent1"/>
-          </a:effectRef>
-          <a:fontRef idx="minor">
-            <a:schemeClr val="tx1"/>
-          </a:fontRef>
-        </p:style>
-      </p:cxnSp>
-      <p:cxnSp>
-        <p:nvCxnSpPr>
-          <p:cNvPr id="124" name="Straight Connector 123"/>
-          <p:cNvCxnSpPr/>
-          <p:nvPr/>
-        </p:nvCxnSpPr>
-        <p:spPr>
-          <a:xfrm rot="5400000">
-            <a:off x="1530751" y="4535809"/>
-            <a:ext cx="0" cy="2794417"/>
-          </a:xfrm>
-          <a:prstGeom prst="line">
-            <a:avLst/>
-          </a:prstGeom>
-          <a:ln>
-            <a:solidFill>
-              <a:schemeClr val="tx1"/>
-            </a:solidFill>
-          </a:ln>
-        </p:spPr>
-        <p:style>
-          <a:lnRef idx="1">
-            <a:schemeClr val="accent1"/>
-          </a:lnRef>
-          <a:fillRef idx="0">
-            <a:schemeClr val="accent1"/>
-          </a:fillRef>
-          <a:effectRef idx="0">
-            <a:schemeClr val="accent1"/>
-          </a:effectRef>
-          <a:fontRef idx="minor">
-            <a:schemeClr val="tx1"/>
-          </a:fontRef>
-        </p:style>
-      </p:cxnSp>
     </p:spTree>
     <p:extLst>
       <p:ext uri="{BB962C8B-B14F-4D97-AF65-F5344CB8AC3E}">
@@ -23655,7 +23585,7 @@
     <a:masterClrMapping/>
   </p:clrMapOvr>
   <mc:AlternateContent xmlns:mc="http://schemas.openxmlformats.org/markup-compatibility/2006">
-    <mc:Choice xmlns:p159="http://schemas.microsoft.com/office/powerpoint/2015/09/main" xmlns="" Requires="p159">
+    <mc:Choice xmlns="" xmlns:p159="http://schemas.microsoft.com/office/powerpoint/2015/09/main" Requires="p159">
       <p:transition xmlns:p14="http://schemas.microsoft.com/office/powerpoint/2010/main" spd="slow" p14:dur="2000">
         <p159:morph option="byObject"/>
       </p:transition>
@@ -23780,7 +23710,7 @@
           <p:cNvPr id="2" name="Imagen 1">
             <a:extLst>
               <a:ext uri="{FF2B5EF4-FFF2-40B4-BE49-F238E27FC236}">
-                <a16:creationId xmlns:a16="http://schemas.microsoft.com/office/drawing/2014/main" xmlns="" id="{8495C0A0-4965-B406-97D2-0C73E97D488B}"/>
+                <a16:creationId xmlns="" xmlns:a16="http://schemas.microsoft.com/office/drawing/2014/main" id="{8495C0A0-4965-B406-97D2-0C73E97D488B}"/>
               </a:ext>
             </a:extLst>
           </p:cNvPr>
@@ -23810,7 +23740,7 @@
           <p:cNvPr id="3" name="Marcador de número de diapositiva 3">
             <a:extLst>
               <a:ext uri="{FF2B5EF4-FFF2-40B4-BE49-F238E27FC236}">
-                <a16:creationId xmlns:a16="http://schemas.microsoft.com/office/drawing/2014/main" xmlns="" id="{958FBA5A-A58E-C697-8203-4F8B9AE81A4E}"/>
+                <a16:creationId xmlns="" xmlns:a16="http://schemas.microsoft.com/office/drawing/2014/main" id="{958FBA5A-A58E-C697-8203-4F8B9AE81A4E}"/>
               </a:ext>
             </a:extLst>
           </p:cNvPr>
@@ -23844,7 +23774,7 @@
           <p:cNvPr id="23" name="Título 1">
             <a:extLst>
               <a:ext uri="{FF2B5EF4-FFF2-40B4-BE49-F238E27FC236}">
-                <a16:creationId xmlns:a16="http://schemas.microsoft.com/office/drawing/2014/main" xmlns="" id="{E1DD3CF2-B58E-FFFA-CC44-24E153BAAA08}"/>
+                <a16:creationId xmlns="" xmlns:a16="http://schemas.microsoft.com/office/drawing/2014/main" id="{E1DD3CF2-B58E-FFFA-CC44-24E153BAAA08}"/>
               </a:ext>
             </a:extLst>
           </p:cNvPr>
@@ -23914,7 +23844,7 @@
           <p:cNvPr id="24" name="Título 1">
             <a:extLst>
               <a:ext uri="{FF2B5EF4-FFF2-40B4-BE49-F238E27FC236}">
-                <a16:creationId xmlns:a16="http://schemas.microsoft.com/office/drawing/2014/main" xmlns="" id="{96653C20-5D73-6AC7-AD4D-29A9D6D74E1B}"/>
+                <a16:creationId xmlns="" xmlns:a16="http://schemas.microsoft.com/office/drawing/2014/main" id="{96653C20-5D73-6AC7-AD4D-29A9D6D74E1B}"/>
               </a:ext>
             </a:extLst>
           </p:cNvPr>
@@ -23983,7 +23913,7 @@
           <p:cNvPr id="122" name="Rectángulo redondeado 8">
             <a:extLst>
               <a:ext uri="{FF2B5EF4-FFF2-40B4-BE49-F238E27FC236}">
-                <a16:creationId xmlns="" xmlns:a16="http://schemas.microsoft.com/office/drawing/2014/main" id="{277BA7B5-969F-97FA-876B-9353DE62E89F}"/>
+                <a16:creationId xmlns:a16="http://schemas.microsoft.com/office/drawing/2014/main" xmlns="" id="{277BA7B5-969F-97FA-876B-9353DE62E89F}"/>
               </a:ext>
             </a:extLst>
           </p:cNvPr>
@@ -24037,7 +23967,7 @@
           <p:cNvPr id="123" name="Rectangle 68">
             <a:extLst>
               <a:ext uri="{FF2B5EF4-FFF2-40B4-BE49-F238E27FC236}">
-                <a16:creationId xmlns="" xmlns:a16="http://schemas.microsoft.com/office/drawing/2014/main" id="{2E170935-075B-E9F1-39F5-718251B4ECCC}"/>
+                <a16:creationId xmlns:a16="http://schemas.microsoft.com/office/drawing/2014/main" xmlns="" id="{2E170935-075B-E9F1-39F5-718251B4ECCC}"/>
               </a:ext>
             </a:extLst>
           </p:cNvPr>
@@ -24230,7 +24160,7 @@
           </a:ln>
           <a:extLst>
             <a:ext uri="{C572A759-6A51-4108-AA02-DFA0A04FC94B}">
-              <ma14:wrappingTextBoxFlag xmlns:ma14="http://schemas.microsoft.com/office/mac/drawingml/2011/main" xmlns:a14="http://schemas.microsoft.com/office/drawing/2010/main" xmlns:m="http://schemas.openxmlformats.org/officeDocument/2006/math" xmlns="" val="1"/>
+              <ma14:wrappingTextBoxFlag xmlns="" xmlns:m="http://schemas.openxmlformats.org/officeDocument/2006/math" xmlns:a14="http://schemas.microsoft.com/office/drawing/2010/main" xmlns:ma14="http://schemas.microsoft.com/office/mac/drawingml/2011/main" val="1"/>
             </a:ext>
           </a:extLst>
         </p:spPr>
@@ -26124,7 +26054,7 @@
             <a:effectLst/>
             <a:extLst>
               <a:ext uri="{C572A759-6A51-4108-AA02-DFA0A04FC94B}">
-                <ma14:wrappingTextBoxFlag xmlns:ma14="http://schemas.microsoft.com/office/mac/drawingml/2011/main" xmlns:a14="http://schemas.microsoft.com/office/drawing/2010/main" xmlns:m="http://schemas.openxmlformats.org/officeDocument/2006/math" xmlns="" val="1"/>
+                <ma14:wrappingTextBoxFlag xmlns="" xmlns:m="http://schemas.openxmlformats.org/officeDocument/2006/math" xmlns:a14="http://schemas.microsoft.com/office/drawing/2010/main" xmlns:ma14="http://schemas.microsoft.com/office/mac/drawingml/2011/main" val="1"/>
               </a:ext>
             </a:extLst>
           </p:spPr>
@@ -26173,7 +26103,7 @@
           </a:ln>
           <a:extLst>
             <a:ext uri="{C572A759-6A51-4108-AA02-DFA0A04FC94B}">
-              <ma14:wrappingTextBoxFlag xmlns:ma14="http://schemas.microsoft.com/office/mac/drawingml/2011/main" xmlns:a14="http://schemas.microsoft.com/office/drawing/2010/main" xmlns:m="http://schemas.openxmlformats.org/officeDocument/2006/math" xmlns="" val="1"/>
+              <ma14:wrappingTextBoxFlag xmlns="" xmlns:m="http://schemas.openxmlformats.org/officeDocument/2006/math" xmlns:a14="http://schemas.microsoft.com/office/drawing/2010/main" xmlns:ma14="http://schemas.microsoft.com/office/mac/drawingml/2011/main" val="1"/>
             </a:ext>
           </a:extLst>
         </p:spPr>
@@ -26218,7 +26148,7 @@
           </a:ln>
           <a:extLst>
             <a:ext uri="{C572A759-6A51-4108-AA02-DFA0A04FC94B}">
-              <ma14:wrappingTextBoxFlag xmlns:ma14="http://schemas.microsoft.com/office/mac/drawingml/2011/main" xmlns:a14="http://schemas.microsoft.com/office/drawing/2010/main" xmlns:m="http://schemas.openxmlformats.org/officeDocument/2006/math" xmlns="" val="1"/>
+              <ma14:wrappingTextBoxFlag xmlns="" xmlns:m="http://schemas.openxmlformats.org/officeDocument/2006/math" xmlns:a14="http://schemas.microsoft.com/office/drawing/2010/main" xmlns:ma14="http://schemas.microsoft.com/office/mac/drawingml/2011/main" val="1"/>
             </a:ext>
           </a:extLst>
         </p:spPr>
@@ -26326,7 +26256,7 @@
             <a:effectLst/>
             <a:extLst>
               <a:ext uri="{C572A759-6A51-4108-AA02-DFA0A04FC94B}">
-                <ma14:wrappingTextBoxFlag xmlns:ma14="http://schemas.microsoft.com/office/mac/drawingml/2011/main" xmlns:a14="http://schemas.microsoft.com/office/drawing/2010/main" xmlns:m="http://schemas.openxmlformats.org/officeDocument/2006/math" xmlns="" val="1"/>
+                <ma14:wrappingTextBoxFlag xmlns="" xmlns:m="http://schemas.openxmlformats.org/officeDocument/2006/math" xmlns:a14="http://schemas.microsoft.com/office/drawing/2010/main" xmlns:ma14="http://schemas.microsoft.com/office/mac/drawingml/2011/main" val="1"/>
               </a:ext>
             </a:extLst>
           </p:spPr>
@@ -26441,7 +26371,7 @@
             <a:effectLst/>
             <a:extLst>
               <a:ext uri="{C572A759-6A51-4108-AA02-DFA0A04FC94B}">
-                <ma14:wrappingTextBoxFlag xmlns:ma14="http://schemas.microsoft.com/office/mac/drawingml/2011/main" xmlns:a14="http://schemas.microsoft.com/office/drawing/2010/main" xmlns:m="http://schemas.openxmlformats.org/officeDocument/2006/math" xmlns="" val="1"/>
+                <ma14:wrappingTextBoxFlag xmlns="" xmlns:m="http://schemas.openxmlformats.org/officeDocument/2006/math" xmlns:a14="http://schemas.microsoft.com/office/drawing/2010/main" xmlns:ma14="http://schemas.microsoft.com/office/mac/drawingml/2011/main" val="1"/>
               </a:ext>
             </a:extLst>
           </p:spPr>
@@ -26485,7 +26415,7 @@
     <a:masterClrMapping/>
   </p:clrMapOvr>
   <mc:AlternateContent xmlns:mc="http://schemas.openxmlformats.org/markup-compatibility/2006">
-    <mc:Choice xmlns:p159="http://schemas.microsoft.com/office/powerpoint/2015/09/main" xmlns="" Requires="p159">
+    <mc:Choice xmlns="" xmlns:p159="http://schemas.microsoft.com/office/powerpoint/2015/09/main" Requires="p159">
       <p:transition xmlns:p14="http://schemas.microsoft.com/office/powerpoint/2010/main" spd="slow" p14:dur="2000">
         <p159:morph option="byObject"/>
       </p:transition>
@@ -26610,7 +26540,7 @@
           <p:cNvPr id="2" name="Imagen 1">
             <a:extLst>
               <a:ext uri="{FF2B5EF4-FFF2-40B4-BE49-F238E27FC236}">
-                <a16:creationId xmlns:a16="http://schemas.microsoft.com/office/drawing/2014/main" xmlns="" id="{8495C0A0-4965-B406-97D2-0C73E97D488B}"/>
+                <a16:creationId xmlns="" xmlns:a16="http://schemas.microsoft.com/office/drawing/2014/main" id="{8495C0A0-4965-B406-97D2-0C73E97D488B}"/>
               </a:ext>
             </a:extLst>
           </p:cNvPr>
@@ -26640,7 +26570,7 @@
           <p:cNvPr id="3" name="Marcador de número de diapositiva 3">
             <a:extLst>
               <a:ext uri="{FF2B5EF4-FFF2-40B4-BE49-F238E27FC236}">
-                <a16:creationId xmlns:a16="http://schemas.microsoft.com/office/drawing/2014/main" xmlns="" id="{958FBA5A-A58E-C697-8203-4F8B9AE81A4E}"/>
+                <a16:creationId xmlns="" xmlns:a16="http://schemas.microsoft.com/office/drawing/2014/main" id="{958FBA5A-A58E-C697-8203-4F8B9AE81A4E}"/>
               </a:ext>
             </a:extLst>
           </p:cNvPr>
@@ -26674,7 +26604,7 @@
           <p:cNvPr id="23" name="Título 1">
             <a:extLst>
               <a:ext uri="{FF2B5EF4-FFF2-40B4-BE49-F238E27FC236}">
-                <a16:creationId xmlns:a16="http://schemas.microsoft.com/office/drawing/2014/main" xmlns="" id="{E1DD3CF2-B58E-FFFA-CC44-24E153BAAA08}"/>
+                <a16:creationId xmlns="" xmlns:a16="http://schemas.microsoft.com/office/drawing/2014/main" id="{E1DD3CF2-B58E-FFFA-CC44-24E153BAAA08}"/>
               </a:ext>
             </a:extLst>
           </p:cNvPr>
@@ -26744,7 +26674,7 @@
           <p:cNvPr id="24" name="Título 1">
             <a:extLst>
               <a:ext uri="{FF2B5EF4-FFF2-40B4-BE49-F238E27FC236}">
-                <a16:creationId xmlns:a16="http://schemas.microsoft.com/office/drawing/2014/main" xmlns="" id="{96653C20-5D73-6AC7-AD4D-29A9D6D74E1B}"/>
+                <a16:creationId xmlns="" xmlns:a16="http://schemas.microsoft.com/office/drawing/2014/main" id="{96653C20-5D73-6AC7-AD4D-29A9D6D74E1B}"/>
               </a:ext>
             </a:extLst>
           </p:cNvPr>
@@ -28676,7 +28606,7 @@
             <a:effectLst/>
             <a:extLst>
               <a:ext uri="{C572A759-6A51-4108-AA02-DFA0A04FC94B}">
-                <ma14:wrappingTextBoxFlag xmlns:ma14="http://schemas.microsoft.com/office/mac/drawingml/2011/main" xmlns:a14="http://schemas.microsoft.com/office/drawing/2010/main" xmlns:m="http://schemas.openxmlformats.org/officeDocument/2006/math" xmlns="" val="1"/>
+                <ma14:wrappingTextBoxFlag xmlns="" xmlns:m="http://schemas.openxmlformats.org/officeDocument/2006/math" xmlns:a14="http://schemas.microsoft.com/office/drawing/2010/main" xmlns:ma14="http://schemas.microsoft.com/office/mac/drawingml/2011/main" val="1"/>
               </a:ext>
             </a:extLst>
           </p:spPr>
@@ -28850,7 +28780,7 @@
           </a:ln>
           <a:extLst>
             <a:ext uri="{C572A759-6A51-4108-AA02-DFA0A04FC94B}">
-              <ma14:wrappingTextBoxFlag xmlns:ma14="http://schemas.microsoft.com/office/mac/drawingml/2011/main" xmlns:a14="http://schemas.microsoft.com/office/drawing/2010/main" xmlns:m="http://schemas.openxmlformats.org/officeDocument/2006/math" xmlns="" val="1"/>
+              <ma14:wrappingTextBoxFlag xmlns="" xmlns:m="http://schemas.openxmlformats.org/officeDocument/2006/math" xmlns:a14="http://schemas.microsoft.com/office/drawing/2010/main" xmlns:ma14="http://schemas.microsoft.com/office/mac/drawingml/2011/main" val="1"/>
             </a:ext>
           </a:extLst>
         </p:spPr>
@@ -28970,7 +28900,7 @@
             <a:effectLst/>
             <a:extLst>
               <a:ext uri="{C572A759-6A51-4108-AA02-DFA0A04FC94B}">
-                <ma14:wrappingTextBoxFlag xmlns:ma14="http://schemas.microsoft.com/office/mac/drawingml/2011/main" xmlns:a14="http://schemas.microsoft.com/office/drawing/2010/main" xmlns:m="http://schemas.openxmlformats.org/officeDocument/2006/math" xmlns="" val="1"/>
+                <ma14:wrappingTextBoxFlag xmlns="" xmlns:m="http://schemas.openxmlformats.org/officeDocument/2006/math" xmlns:a14="http://schemas.microsoft.com/office/drawing/2010/main" xmlns:ma14="http://schemas.microsoft.com/office/mac/drawingml/2011/main" val="1"/>
               </a:ext>
             </a:extLst>
           </p:spPr>
@@ -29019,7 +28949,7 @@
           </a:ln>
           <a:extLst>
             <a:ext uri="{C572A759-6A51-4108-AA02-DFA0A04FC94B}">
-              <ma14:wrappingTextBoxFlag xmlns:ma14="http://schemas.microsoft.com/office/mac/drawingml/2011/main" xmlns:a14="http://schemas.microsoft.com/office/drawing/2010/main" xmlns:m="http://schemas.openxmlformats.org/officeDocument/2006/math" xmlns="" val="1"/>
+              <ma14:wrappingTextBoxFlag xmlns="" xmlns:m="http://schemas.openxmlformats.org/officeDocument/2006/math" xmlns:a14="http://schemas.microsoft.com/office/drawing/2010/main" xmlns:ma14="http://schemas.microsoft.com/office/mac/drawingml/2011/main" val="1"/>
             </a:ext>
           </a:extLst>
         </p:spPr>
@@ -29064,7 +28994,7 @@
           </a:ln>
           <a:extLst>
             <a:ext uri="{C572A759-6A51-4108-AA02-DFA0A04FC94B}">
-              <ma14:wrappingTextBoxFlag xmlns:ma14="http://schemas.microsoft.com/office/mac/drawingml/2011/main" xmlns:a14="http://schemas.microsoft.com/office/drawing/2010/main" xmlns:m="http://schemas.openxmlformats.org/officeDocument/2006/math" xmlns="" val="1"/>
+              <ma14:wrappingTextBoxFlag xmlns="" xmlns:m="http://schemas.openxmlformats.org/officeDocument/2006/math" xmlns:a14="http://schemas.microsoft.com/office/drawing/2010/main" xmlns:ma14="http://schemas.microsoft.com/office/mac/drawingml/2011/main" val="1"/>
             </a:ext>
           </a:extLst>
         </p:spPr>
@@ -29172,7 +29102,7 @@
             <a:effectLst/>
             <a:extLst>
               <a:ext uri="{C572A759-6A51-4108-AA02-DFA0A04FC94B}">
-                <ma14:wrappingTextBoxFlag xmlns:ma14="http://schemas.microsoft.com/office/mac/drawingml/2011/main" xmlns:a14="http://schemas.microsoft.com/office/drawing/2010/main" xmlns:m="http://schemas.openxmlformats.org/officeDocument/2006/math" xmlns="" val="1"/>
+                <ma14:wrappingTextBoxFlag xmlns="" xmlns:m="http://schemas.openxmlformats.org/officeDocument/2006/math" xmlns:a14="http://schemas.microsoft.com/office/drawing/2010/main" xmlns:ma14="http://schemas.microsoft.com/office/mac/drawingml/2011/main" val="1"/>
               </a:ext>
             </a:extLst>
           </p:spPr>
@@ -29287,7 +29217,7 @@
             <a:effectLst/>
             <a:extLst>
               <a:ext uri="{C572A759-6A51-4108-AA02-DFA0A04FC94B}">
-                <ma14:wrappingTextBoxFlag xmlns:ma14="http://schemas.microsoft.com/office/mac/drawingml/2011/main" xmlns:a14="http://schemas.microsoft.com/office/drawing/2010/main" xmlns:m="http://schemas.openxmlformats.org/officeDocument/2006/math" xmlns="" val="1"/>
+                <ma14:wrappingTextBoxFlag xmlns="" xmlns:m="http://schemas.openxmlformats.org/officeDocument/2006/math" xmlns:a14="http://schemas.microsoft.com/office/drawing/2010/main" xmlns:ma14="http://schemas.microsoft.com/office/mac/drawingml/2011/main" val="1"/>
               </a:ext>
             </a:extLst>
           </p:spPr>
@@ -29464,7 +29394,7 @@
           </a:ln>
           <a:extLst>
             <a:ext uri="{C572A759-6A51-4108-AA02-DFA0A04FC94B}">
-              <ma14:wrappingTextBoxFlag xmlns:ma14="http://schemas.microsoft.com/office/mac/drawingml/2011/main" xmlns:a14="http://schemas.microsoft.com/office/drawing/2010/main" xmlns:m="http://schemas.openxmlformats.org/officeDocument/2006/math" xmlns="" val="1"/>
+              <ma14:wrappingTextBoxFlag xmlns="" xmlns:m="http://schemas.openxmlformats.org/officeDocument/2006/math" xmlns:a14="http://schemas.microsoft.com/office/drawing/2010/main" xmlns:ma14="http://schemas.microsoft.com/office/mac/drawingml/2011/main" val="1"/>
             </a:ext>
           </a:extLst>
         </p:spPr>
@@ -31358,7 +31288,7 @@
             <a:effectLst/>
             <a:extLst>
               <a:ext uri="{C572A759-6A51-4108-AA02-DFA0A04FC94B}">
-                <ma14:wrappingTextBoxFlag xmlns:ma14="http://schemas.microsoft.com/office/mac/drawingml/2011/main" xmlns:a14="http://schemas.microsoft.com/office/drawing/2010/main" xmlns:m="http://schemas.openxmlformats.org/officeDocument/2006/math" xmlns="" val="1"/>
+                <ma14:wrappingTextBoxFlag xmlns="" xmlns:m="http://schemas.openxmlformats.org/officeDocument/2006/math" xmlns:a14="http://schemas.microsoft.com/office/drawing/2010/main" xmlns:ma14="http://schemas.microsoft.com/office/mac/drawingml/2011/main" val="1"/>
               </a:ext>
             </a:extLst>
           </p:spPr>
@@ -31407,7 +31337,7 @@
           </a:ln>
           <a:extLst>
             <a:ext uri="{C572A759-6A51-4108-AA02-DFA0A04FC94B}">
-              <ma14:wrappingTextBoxFlag xmlns:ma14="http://schemas.microsoft.com/office/mac/drawingml/2011/main" xmlns:a14="http://schemas.microsoft.com/office/drawing/2010/main" xmlns:m="http://schemas.openxmlformats.org/officeDocument/2006/math" xmlns="" val="1"/>
+              <ma14:wrappingTextBoxFlag xmlns="" xmlns:m="http://schemas.openxmlformats.org/officeDocument/2006/math" xmlns:a14="http://schemas.microsoft.com/office/drawing/2010/main" xmlns:ma14="http://schemas.microsoft.com/office/mac/drawingml/2011/main" val="1"/>
             </a:ext>
           </a:extLst>
         </p:spPr>
@@ -31452,7 +31382,7 @@
           </a:ln>
           <a:extLst>
             <a:ext uri="{C572A759-6A51-4108-AA02-DFA0A04FC94B}">
-              <ma14:wrappingTextBoxFlag xmlns:ma14="http://schemas.microsoft.com/office/mac/drawingml/2011/main" xmlns:a14="http://schemas.microsoft.com/office/drawing/2010/main" xmlns:m="http://schemas.openxmlformats.org/officeDocument/2006/math" xmlns="" val="1"/>
+              <ma14:wrappingTextBoxFlag xmlns="" xmlns:m="http://schemas.openxmlformats.org/officeDocument/2006/math" xmlns:a14="http://schemas.microsoft.com/office/drawing/2010/main" xmlns:ma14="http://schemas.microsoft.com/office/mac/drawingml/2011/main" val="1"/>
             </a:ext>
           </a:extLst>
         </p:spPr>
@@ -31560,7 +31490,7 @@
             <a:effectLst/>
             <a:extLst>
               <a:ext uri="{C572A759-6A51-4108-AA02-DFA0A04FC94B}">
-                <ma14:wrappingTextBoxFlag xmlns:ma14="http://schemas.microsoft.com/office/mac/drawingml/2011/main" xmlns:a14="http://schemas.microsoft.com/office/drawing/2010/main" xmlns:m="http://schemas.openxmlformats.org/officeDocument/2006/math" xmlns="" val="1"/>
+                <ma14:wrappingTextBoxFlag xmlns="" xmlns:m="http://schemas.openxmlformats.org/officeDocument/2006/math" xmlns:a14="http://schemas.microsoft.com/office/drawing/2010/main" xmlns:ma14="http://schemas.microsoft.com/office/mac/drawingml/2011/main" val="1"/>
               </a:ext>
             </a:extLst>
           </p:spPr>
@@ -31675,7 +31605,7 @@
             <a:effectLst/>
             <a:extLst>
               <a:ext uri="{C572A759-6A51-4108-AA02-DFA0A04FC94B}">
-                <ma14:wrappingTextBoxFlag xmlns:ma14="http://schemas.microsoft.com/office/mac/drawingml/2011/main" xmlns:a14="http://schemas.microsoft.com/office/drawing/2010/main" xmlns:m="http://schemas.openxmlformats.org/officeDocument/2006/math" xmlns="" val="1"/>
+                <ma14:wrappingTextBoxFlag xmlns="" xmlns:m="http://schemas.openxmlformats.org/officeDocument/2006/math" xmlns:a14="http://schemas.microsoft.com/office/drawing/2010/main" xmlns:ma14="http://schemas.microsoft.com/office/mac/drawingml/2011/main" val="1"/>
               </a:ext>
             </a:extLst>
           </p:spPr>
@@ -31719,7 +31649,7 @@
     <a:masterClrMapping/>
   </p:clrMapOvr>
   <mc:AlternateContent xmlns:mc="http://schemas.openxmlformats.org/markup-compatibility/2006">
-    <mc:Choice xmlns:p159="http://schemas.microsoft.com/office/powerpoint/2015/09/main" xmlns="" Requires="p159">
+    <mc:Choice xmlns="" xmlns:p159="http://schemas.microsoft.com/office/powerpoint/2015/09/main" Requires="p159">
       <p:transition xmlns:p14="http://schemas.microsoft.com/office/powerpoint/2010/main" spd="slow" p14:dur="2000">
         <p159:morph option="byObject"/>
       </p:transition>
@@ -31762,7 +31692,7 @@
           <p:cNvPr id="16" name="Título 1">
             <a:extLst>
               <a:ext uri="{FF2B5EF4-FFF2-40B4-BE49-F238E27FC236}">
-                <a16:creationId xmlns:a16="http://schemas.microsoft.com/office/drawing/2014/main" xmlns="" id="{D5FD1066-7FA1-9BF9-22F0-F52B6DDCD8D0}"/>
+                <a16:creationId xmlns="" xmlns:a16="http://schemas.microsoft.com/office/drawing/2014/main" id="{D5FD1066-7FA1-9BF9-22F0-F52B6DDCD8D0}"/>
               </a:ext>
             </a:extLst>
           </p:cNvPr>
@@ -32220,7 +32150,7 @@
             <a:effectLst/>
             <a:extLst>
               <a:ext uri="{C572A759-6A51-4108-AA02-DFA0A04FC94B}">
-                <ma14:wrappingTextBoxFlag xmlns:ma14="http://schemas.microsoft.com/office/mac/drawingml/2011/main" xmlns:a14="http://schemas.microsoft.com/office/drawing/2010/main" xmlns:m="http://schemas.openxmlformats.org/officeDocument/2006/math" xmlns="" val="1"/>
+                <ma14:wrappingTextBoxFlag xmlns="" xmlns:m="http://schemas.openxmlformats.org/officeDocument/2006/math" xmlns:a14="http://schemas.microsoft.com/office/drawing/2010/main" xmlns:ma14="http://schemas.microsoft.com/office/mac/drawingml/2011/main" val="1"/>
               </a:ext>
             </a:extLst>
           </p:spPr>
@@ -32292,11 +32222,7 @@
           <a:p>
             <a:r>
               <a:rPr lang="es-MX"/>
-              <a:t>PASO 2: Tomar los K vecinos más cercanos del nuevo dato, según la </a:t>
-            </a:r>
-            <a:r>
-              <a:rPr lang="es-MX"/>
-              <a:t>distancia </a:t>
+              <a:t>PASO 2: Tomar los K vecinos más cercanos del nuevo dato, según la distancia </a:t>
             </a:r>
             <a:r>
               <a:rPr lang="es-MX" smtClean="0"/>
@@ -32331,11 +32257,7 @@
           <a:p>
             <a:r>
               <a:rPr lang="es-MX"/>
-              <a:t>PASO 4: Asignar el nuevo dato a la categoría con más vecinos </a:t>
-            </a:r>
-            <a:r>
-              <a:rPr lang="es-MX"/>
-              <a:t>en </a:t>
+              <a:t>PASO 4: Asignar el nuevo dato a la categoría con más vecinos en </a:t>
             </a:r>
             <a:r>
               <a:rPr lang="es-MX" smtClean="0"/>
@@ -32356,7 +32278,7 @@
     <a:masterClrMapping/>
   </p:clrMapOvr>
   <mc:AlternateContent xmlns:mc="http://schemas.openxmlformats.org/markup-compatibility/2006">
-    <mc:Choice xmlns:p159="http://schemas.microsoft.com/office/powerpoint/2015/09/main" xmlns="" Requires="p159">
+    <mc:Choice xmlns="" xmlns:p159="http://schemas.microsoft.com/office/powerpoint/2015/09/main" Requires="p159">
       <p:transition xmlns:p14="http://schemas.microsoft.com/office/powerpoint/2010/main" spd="slow" p14:dur="2000">
         <p159:morph option="byObject"/>
       </p:transition>
@@ -32625,7 +32547,7 @@
           <p:cNvPr id="2" name="Imagen 1">
             <a:extLst>
               <a:ext uri="{FF2B5EF4-FFF2-40B4-BE49-F238E27FC236}">
-                <a16:creationId xmlns:a16="http://schemas.microsoft.com/office/drawing/2014/main" xmlns="" id="{8495C0A0-4965-B406-97D2-0C73E97D488B}"/>
+                <a16:creationId xmlns="" xmlns:a16="http://schemas.microsoft.com/office/drawing/2014/main" id="{8495C0A0-4965-B406-97D2-0C73E97D488B}"/>
               </a:ext>
             </a:extLst>
           </p:cNvPr>
@@ -32655,7 +32577,7 @@
           <p:cNvPr id="3" name="Marcador de número de diapositiva 3">
             <a:extLst>
               <a:ext uri="{FF2B5EF4-FFF2-40B4-BE49-F238E27FC236}">
-                <a16:creationId xmlns:a16="http://schemas.microsoft.com/office/drawing/2014/main" xmlns="" id="{958FBA5A-A58E-C697-8203-4F8B9AE81A4E}"/>
+                <a16:creationId xmlns="" xmlns:a16="http://schemas.microsoft.com/office/drawing/2014/main" id="{958FBA5A-A58E-C697-8203-4F8B9AE81A4E}"/>
               </a:ext>
             </a:extLst>
           </p:cNvPr>
@@ -32689,7 +32611,7 @@
           <p:cNvPr id="23" name="Título 1">
             <a:extLst>
               <a:ext uri="{FF2B5EF4-FFF2-40B4-BE49-F238E27FC236}">
-                <a16:creationId xmlns:a16="http://schemas.microsoft.com/office/drawing/2014/main" xmlns="" id="{E1DD3CF2-B58E-FFFA-CC44-24E153BAAA08}"/>
+                <a16:creationId xmlns="" xmlns:a16="http://schemas.microsoft.com/office/drawing/2014/main" id="{E1DD3CF2-B58E-FFFA-CC44-24E153BAAA08}"/>
               </a:ext>
             </a:extLst>
           </p:cNvPr>
@@ -32759,7 +32681,7 @@
           <p:cNvPr id="24" name="Título 1">
             <a:extLst>
               <a:ext uri="{FF2B5EF4-FFF2-40B4-BE49-F238E27FC236}">
-                <a16:creationId xmlns:a16="http://schemas.microsoft.com/office/drawing/2014/main" xmlns="" id="{96653C20-5D73-6AC7-AD4D-29A9D6D74E1B}"/>
+                <a16:creationId xmlns="" xmlns:a16="http://schemas.microsoft.com/office/drawing/2014/main" id="{96653C20-5D73-6AC7-AD4D-29A9D6D74E1B}"/>
               </a:ext>
             </a:extLst>
           </p:cNvPr>
@@ -32828,7 +32750,7 @@
           <p:cNvPr id="122" name="Rectángulo redondeado 8">
             <a:extLst>
               <a:ext uri="{FF2B5EF4-FFF2-40B4-BE49-F238E27FC236}">
-                <a16:creationId xmlns="" xmlns:a16="http://schemas.microsoft.com/office/drawing/2014/main" id="{277BA7B5-969F-97FA-876B-9353DE62E89F}"/>
+                <a16:creationId xmlns:a16="http://schemas.microsoft.com/office/drawing/2014/main" xmlns="" id="{277BA7B5-969F-97FA-876B-9353DE62E89F}"/>
               </a:ext>
             </a:extLst>
           </p:cNvPr>
@@ -32882,7 +32804,7 @@
           <p:cNvPr id="123" name="Rectangle 68">
             <a:extLst>
               <a:ext uri="{FF2B5EF4-FFF2-40B4-BE49-F238E27FC236}">
-                <a16:creationId xmlns="" xmlns:a16="http://schemas.microsoft.com/office/drawing/2014/main" id="{2E170935-075B-E9F1-39F5-718251B4ECCC}"/>
+                <a16:creationId xmlns:a16="http://schemas.microsoft.com/office/drawing/2014/main" xmlns="" id="{2E170935-075B-E9F1-39F5-718251B4ECCC}"/>
               </a:ext>
             </a:extLst>
           </p:cNvPr>
@@ -34879,7 +34801,7 @@
           </a:ln>
           <a:extLst>
             <a:ext uri="{C572A759-6A51-4108-AA02-DFA0A04FC94B}">
-              <ma14:wrappingTextBoxFlag xmlns:ma14="http://schemas.microsoft.com/office/mac/drawingml/2011/main" xmlns:a14="http://schemas.microsoft.com/office/drawing/2010/main" xmlns:m="http://schemas.openxmlformats.org/officeDocument/2006/math" xmlns="" val="1"/>
+              <ma14:wrappingTextBoxFlag xmlns="" xmlns:m="http://schemas.openxmlformats.org/officeDocument/2006/math" xmlns:a14="http://schemas.microsoft.com/office/drawing/2010/main" xmlns:ma14="http://schemas.microsoft.com/office/mac/drawingml/2011/main" val="1"/>
             </a:ext>
           </a:extLst>
         </p:spPr>
@@ -34924,7 +34846,7 @@
           </a:ln>
           <a:extLst>
             <a:ext uri="{C572A759-6A51-4108-AA02-DFA0A04FC94B}">
-              <ma14:wrappingTextBoxFlag xmlns:ma14="http://schemas.microsoft.com/office/mac/drawingml/2011/main" xmlns:a14="http://schemas.microsoft.com/office/drawing/2010/main" xmlns:m="http://schemas.openxmlformats.org/officeDocument/2006/math" xmlns="" val="1"/>
+              <ma14:wrappingTextBoxFlag xmlns="" xmlns:m="http://schemas.openxmlformats.org/officeDocument/2006/math" xmlns:a14="http://schemas.microsoft.com/office/drawing/2010/main" xmlns:ma14="http://schemas.microsoft.com/office/mac/drawingml/2011/main" val="1"/>
             </a:ext>
           </a:extLst>
         </p:spPr>
@@ -34969,7 +34891,7 @@
           </a:ln>
           <a:extLst>
             <a:ext uri="{C572A759-6A51-4108-AA02-DFA0A04FC94B}">
-              <ma14:wrappingTextBoxFlag xmlns:ma14="http://schemas.microsoft.com/office/mac/drawingml/2011/main" xmlns:a14="http://schemas.microsoft.com/office/drawing/2010/main" xmlns:m="http://schemas.openxmlformats.org/officeDocument/2006/math" xmlns="" val="1"/>
+              <ma14:wrappingTextBoxFlag xmlns="" xmlns:m="http://schemas.openxmlformats.org/officeDocument/2006/math" xmlns:a14="http://schemas.microsoft.com/office/drawing/2010/main" xmlns:ma14="http://schemas.microsoft.com/office/mac/drawingml/2011/main" val="1"/>
             </a:ext>
           </a:extLst>
         </p:spPr>
@@ -35077,7 +34999,7 @@
             <a:effectLst/>
             <a:extLst>
               <a:ext uri="{C572A759-6A51-4108-AA02-DFA0A04FC94B}">
-                <ma14:wrappingTextBoxFlag xmlns:ma14="http://schemas.microsoft.com/office/mac/drawingml/2011/main" xmlns:a14="http://schemas.microsoft.com/office/drawing/2010/main" xmlns:m="http://schemas.openxmlformats.org/officeDocument/2006/math" xmlns="" val="1"/>
+                <ma14:wrappingTextBoxFlag xmlns="" xmlns:m="http://schemas.openxmlformats.org/officeDocument/2006/math" xmlns:a14="http://schemas.microsoft.com/office/drawing/2010/main" xmlns:ma14="http://schemas.microsoft.com/office/mac/drawingml/2011/main" val="1"/>
               </a:ext>
             </a:extLst>
           </p:spPr>
@@ -35192,7 +35114,7 @@
             <a:effectLst/>
             <a:extLst>
               <a:ext uri="{C572A759-6A51-4108-AA02-DFA0A04FC94B}">
-                <ma14:wrappingTextBoxFlag xmlns:ma14="http://schemas.microsoft.com/office/mac/drawingml/2011/main" xmlns:a14="http://schemas.microsoft.com/office/drawing/2010/main" xmlns:m="http://schemas.openxmlformats.org/officeDocument/2006/math" xmlns="" val="1"/>
+                <ma14:wrappingTextBoxFlag xmlns="" xmlns:m="http://schemas.openxmlformats.org/officeDocument/2006/math" xmlns:a14="http://schemas.microsoft.com/office/drawing/2010/main" xmlns:ma14="http://schemas.microsoft.com/office/mac/drawingml/2011/main" val="1"/>
               </a:ext>
             </a:extLst>
           </p:spPr>
@@ -35236,7 +35158,7 @@
     <a:masterClrMapping/>
   </p:clrMapOvr>
   <mc:AlternateContent xmlns:mc="http://schemas.openxmlformats.org/markup-compatibility/2006">
-    <mc:Choice xmlns:p159="http://schemas.microsoft.com/office/powerpoint/2015/09/main" xmlns="" Requires="p159">
+    <mc:Choice xmlns="" xmlns:p159="http://schemas.microsoft.com/office/powerpoint/2015/09/main" Requires="p159">
       <p:transition xmlns:p14="http://schemas.microsoft.com/office/powerpoint/2010/main" spd="slow" p14:dur="2000">
         <p159:morph option="byObject"/>
       </p:transition>
@@ -35361,7 +35283,7 @@
           <p:cNvPr id="2" name="Imagen 1">
             <a:extLst>
               <a:ext uri="{FF2B5EF4-FFF2-40B4-BE49-F238E27FC236}">
-                <a16:creationId xmlns:a16="http://schemas.microsoft.com/office/drawing/2014/main" xmlns="" id="{8495C0A0-4965-B406-97D2-0C73E97D488B}"/>
+                <a16:creationId xmlns="" xmlns:a16="http://schemas.microsoft.com/office/drawing/2014/main" id="{8495C0A0-4965-B406-97D2-0C73E97D488B}"/>
               </a:ext>
             </a:extLst>
           </p:cNvPr>
@@ -35391,7 +35313,7 @@
           <p:cNvPr id="23" name="Título 1">
             <a:extLst>
               <a:ext uri="{FF2B5EF4-FFF2-40B4-BE49-F238E27FC236}">
-                <a16:creationId xmlns:a16="http://schemas.microsoft.com/office/drawing/2014/main" xmlns="" id="{E1DD3CF2-B58E-FFFA-CC44-24E153BAAA08}"/>
+                <a16:creationId xmlns="" xmlns:a16="http://schemas.microsoft.com/office/drawing/2014/main" id="{E1DD3CF2-B58E-FFFA-CC44-24E153BAAA08}"/>
               </a:ext>
             </a:extLst>
           </p:cNvPr>
@@ -35461,7 +35383,7 @@
           <p:cNvPr id="24" name="Título 1">
             <a:extLst>
               <a:ext uri="{FF2B5EF4-FFF2-40B4-BE49-F238E27FC236}">
-                <a16:creationId xmlns:a16="http://schemas.microsoft.com/office/drawing/2014/main" xmlns="" id="{96653C20-5D73-6AC7-AD4D-29A9D6D74E1B}"/>
+                <a16:creationId xmlns="" xmlns:a16="http://schemas.microsoft.com/office/drawing/2014/main" id="{96653C20-5D73-6AC7-AD4D-29A9D6D74E1B}"/>
               </a:ext>
             </a:extLst>
           </p:cNvPr>
@@ -35530,7 +35452,7 @@
           <p:cNvPr id="122" name="Rectángulo redondeado 8">
             <a:extLst>
               <a:ext uri="{FF2B5EF4-FFF2-40B4-BE49-F238E27FC236}">
-                <a16:creationId xmlns="" xmlns:a16="http://schemas.microsoft.com/office/drawing/2014/main" id="{277BA7B5-969F-97FA-876B-9353DE62E89F}"/>
+                <a16:creationId xmlns:a16="http://schemas.microsoft.com/office/drawing/2014/main" xmlns="" id="{277BA7B5-969F-97FA-876B-9353DE62E89F}"/>
               </a:ext>
             </a:extLst>
           </p:cNvPr>
@@ -35584,7 +35506,7 @@
           <p:cNvPr id="123" name="Rectangle 68">
             <a:extLst>
               <a:ext uri="{FF2B5EF4-FFF2-40B4-BE49-F238E27FC236}">
-                <a16:creationId xmlns="" xmlns:a16="http://schemas.microsoft.com/office/drawing/2014/main" id="{2E170935-075B-E9F1-39F5-718251B4ECCC}"/>
+                <a16:creationId xmlns:a16="http://schemas.microsoft.com/office/drawing/2014/main" xmlns="" id="{2E170935-075B-E9F1-39F5-718251B4ECCC}"/>
               </a:ext>
             </a:extLst>
           </p:cNvPr>
@@ -35993,7 +35915,7 @@
             <a:effectLst/>
             <a:extLst>
               <a:ext uri="{C572A759-6A51-4108-AA02-DFA0A04FC94B}">
-                <ma14:wrappingTextBoxFlag xmlns:ma14="http://schemas.microsoft.com/office/mac/drawingml/2011/main" xmlns:a14="http://schemas.microsoft.com/office/drawing/2010/main" xmlns:m="http://schemas.openxmlformats.org/officeDocument/2006/math" xmlns="" val="1"/>
+                <ma14:wrappingTextBoxFlag xmlns="" xmlns:m="http://schemas.openxmlformats.org/officeDocument/2006/math" xmlns:a14="http://schemas.microsoft.com/office/drawing/2010/main" xmlns:ma14="http://schemas.microsoft.com/office/mac/drawingml/2011/main" val="1"/>
               </a:ext>
             </a:extLst>
           </p:spPr>
@@ -36101,7 +36023,7 @@
             <a:effectLst/>
             <a:extLst>
               <a:ext uri="{C572A759-6A51-4108-AA02-DFA0A04FC94B}">
-                <ma14:wrappingTextBoxFlag xmlns:ma14="http://schemas.microsoft.com/office/mac/drawingml/2011/main" xmlns:a14="http://schemas.microsoft.com/office/drawing/2010/main" xmlns:m="http://schemas.openxmlformats.org/officeDocument/2006/math" xmlns="" val="1"/>
+                <ma14:wrappingTextBoxFlag xmlns="" xmlns:m="http://schemas.openxmlformats.org/officeDocument/2006/math" xmlns:a14="http://schemas.microsoft.com/office/drawing/2010/main" xmlns:ma14="http://schemas.microsoft.com/office/mac/drawingml/2011/main" val="1"/>
               </a:ext>
             </a:extLst>
           </p:spPr>
@@ -36208,7 +36130,7 @@
           </a:ln>
           <a:extLst>
             <a:ext uri="{C572A759-6A51-4108-AA02-DFA0A04FC94B}">
-              <ma14:wrappingTextBoxFlag xmlns:ma14="http://schemas.microsoft.com/office/mac/drawingml/2011/main" xmlns:a14="http://schemas.microsoft.com/office/drawing/2010/main" xmlns:m="http://schemas.openxmlformats.org/officeDocument/2006/math" xmlns="" val="1"/>
+              <ma14:wrappingTextBoxFlag xmlns="" xmlns:m="http://schemas.openxmlformats.org/officeDocument/2006/math" xmlns:a14="http://schemas.microsoft.com/office/drawing/2010/main" xmlns:ma14="http://schemas.microsoft.com/office/mac/drawingml/2011/main" val="1"/>
             </a:ext>
           </a:extLst>
         </p:spPr>
@@ -36276,7 +36198,7 @@
           </a:ln>
           <a:extLst>
             <a:ext uri="{C572A759-6A51-4108-AA02-DFA0A04FC94B}">
-              <ma14:wrappingTextBoxFlag xmlns:ma14="http://schemas.microsoft.com/office/mac/drawingml/2011/main" xmlns:a14="http://schemas.microsoft.com/office/drawing/2010/main" xmlns:m="http://schemas.openxmlformats.org/officeDocument/2006/math" xmlns="" val="1"/>
+              <ma14:wrappingTextBoxFlag xmlns="" xmlns:m="http://schemas.openxmlformats.org/officeDocument/2006/math" xmlns:a14="http://schemas.microsoft.com/office/drawing/2010/main" xmlns:ma14="http://schemas.microsoft.com/office/mac/drawingml/2011/main" val="1"/>
             </a:ext>
           </a:extLst>
         </p:spPr>
@@ -36344,7 +36266,7 @@
           </a:ln>
           <a:extLst>
             <a:ext uri="{C572A759-6A51-4108-AA02-DFA0A04FC94B}">
-              <ma14:wrappingTextBoxFlag xmlns:ma14="http://schemas.microsoft.com/office/mac/drawingml/2011/main" xmlns:a14="http://schemas.microsoft.com/office/drawing/2010/main" xmlns:m="http://schemas.openxmlformats.org/officeDocument/2006/math" xmlns="" val="1"/>
+              <ma14:wrappingTextBoxFlag xmlns="" xmlns:m="http://schemas.openxmlformats.org/officeDocument/2006/math" xmlns:a14="http://schemas.microsoft.com/office/drawing/2010/main" xmlns:ma14="http://schemas.microsoft.com/office/mac/drawingml/2011/main" val="1"/>
             </a:ext>
           </a:extLst>
         </p:spPr>
@@ -36392,7 +36314,7 @@
           </a:ln>
           <a:extLst>
             <a:ext uri="{C572A759-6A51-4108-AA02-DFA0A04FC94B}">
-              <ma14:wrappingTextBoxFlag xmlns:ma14="http://schemas.microsoft.com/office/mac/drawingml/2011/main" xmlns:a14="http://schemas.microsoft.com/office/drawing/2010/main" xmlns:m="http://schemas.openxmlformats.org/officeDocument/2006/math" xmlns="" val="1"/>
+              <ma14:wrappingTextBoxFlag xmlns="" xmlns:m="http://schemas.openxmlformats.org/officeDocument/2006/math" xmlns:a14="http://schemas.microsoft.com/office/drawing/2010/main" xmlns:ma14="http://schemas.microsoft.com/office/mac/drawingml/2011/main" val="1"/>
             </a:ext>
           </a:extLst>
         </p:spPr>
@@ -36498,7 +36420,7 @@
           </a:ln>
           <a:extLst>
             <a:ext uri="{C572A759-6A51-4108-AA02-DFA0A04FC94B}">
-              <ma14:wrappingTextBoxFlag xmlns:ma14="http://schemas.microsoft.com/office/mac/drawingml/2011/main" xmlns:a14="http://schemas.microsoft.com/office/drawing/2010/main" xmlns:m="http://schemas.openxmlformats.org/officeDocument/2006/math" xmlns="" val="1"/>
+              <ma14:wrappingTextBoxFlag xmlns="" xmlns:m="http://schemas.openxmlformats.org/officeDocument/2006/math" xmlns:a14="http://schemas.microsoft.com/office/drawing/2010/main" xmlns:ma14="http://schemas.microsoft.com/office/mac/drawingml/2011/main" val="1"/>
             </a:ext>
           </a:extLst>
         </p:spPr>
@@ -36546,7 +36468,7 @@
           </a:ln>
           <a:extLst>
             <a:ext uri="{C572A759-6A51-4108-AA02-DFA0A04FC94B}">
-              <ma14:wrappingTextBoxFlag xmlns:ma14="http://schemas.microsoft.com/office/mac/drawingml/2011/main" xmlns:a14="http://schemas.microsoft.com/office/drawing/2010/main" xmlns:m="http://schemas.openxmlformats.org/officeDocument/2006/math" xmlns="" val="1"/>
+              <ma14:wrappingTextBoxFlag xmlns="" xmlns:m="http://schemas.openxmlformats.org/officeDocument/2006/math" xmlns:a14="http://schemas.microsoft.com/office/drawing/2010/main" xmlns:ma14="http://schemas.microsoft.com/office/mac/drawingml/2011/main" val="1"/>
             </a:ext>
           </a:extLst>
         </p:spPr>
@@ -36624,7 +36546,7 @@
           </a:ln>
           <a:extLst>
             <a:ext uri="{C572A759-6A51-4108-AA02-DFA0A04FC94B}">
-              <ma14:wrappingTextBoxFlag xmlns:ma14="http://schemas.microsoft.com/office/mac/drawingml/2011/main" xmlns:a14="http://schemas.microsoft.com/office/drawing/2010/main" xmlns:m="http://schemas.openxmlformats.org/officeDocument/2006/math" xmlns="" val="1"/>
+              <ma14:wrappingTextBoxFlag xmlns="" xmlns:m="http://schemas.openxmlformats.org/officeDocument/2006/math" xmlns:a14="http://schemas.microsoft.com/office/drawing/2010/main" xmlns:ma14="http://schemas.microsoft.com/office/mac/drawingml/2011/main" val="1"/>
             </a:ext>
           </a:extLst>
         </p:spPr>
@@ -36652,7 +36574,7 @@
     <a:masterClrMapping/>
   </p:clrMapOvr>
   <mc:AlternateContent xmlns:mc="http://schemas.openxmlformats.org/markup-compatibility/2006">
-    <mc:Choice xmlns:p159="http://schemas.microsoft.com/office/powerpoint/2015/09/main" xmlns="" Requires="p159">
+    <mc:Choice xmlns="" xmlns:p159="http://schemas.microsoft.com/office/powerpoint/2015/09/main" Requires="p159">
       <p:transition xmlns:p14="http://schemas.microsoft.com/office/powerpoint/2010/main" spd="slow" p14:dur="2000">
         <p159:morph option="byObject"/>
       </p:transition>
@@ -36777,7 +36699,7 @@
           <p:cNvPr id="2" name="Imagen 1">
             <a:extLst>
               <a:ext uri="{FF2B5EF4-FFF2-40B4-BE49-F238E27FC236}">
-                <a16:creationId xmlns:a16="http://schemas.microsoft.com/office/drawing/2014/main" xmlns="" id="{8495C0A0-4965-B406-97D2-0C73E97D488B}"/>
+                <a16:creationId xmlns="" xmlns:a16="http://schemas.microsoft.com/office/drawing/2014/main" id="{8495C0A0-4965-B406-97D2-0C73E97D488B}"/>
               </a:ext>
             </a:extLst>
           </p:cNvPr>
@@ -36807,7 +36729,7 @@
           <p:cNvPr id="23" name="Título 1">
             <a:extLst>
               <a:ext uri="{FF2B5EF4-FFF2-40B4-BE49-F238E27FC236}">
-                <a16:creationId xmlns:a16="http://schemas.microsoft.com/office/drawing/2014/main" xmlns="" id="{E1DD3CF2-B58E-FFFA-CC44-24E153BAAA08}"/>
+                <a16:creationId xmlns="" xmlns:a16="http://schemas.microsoft.com/office/drawing/2014/main" id="{E1DD3CF2-B58E-FFFA-CC44-24E153BAAA08}"/>
               </a:ext>
             </a:extLst>
           </p:cNvPr>
@@ -36877,7 +36799,7 @@
           <p:cNvPr id="24" name="Título 1">
             <a:extLst>
               <a:ext uri="{FF2B5EF4-FFF2-40B4-BE49-F238E27FC236}">
-                <a16:creationId xmlns:a16="http://schemas.microsoft.com/office/drawing/2014/main" xmlns="" id="{96653C20-5D73-6AC7-AD4D-29A9D6D74E1B}"/>
+                <a16:creationId xmlns="" xmlns:a16="http://schemas.microsoft.com/office/drawing/2014/main" id="{96653C20-5D73-6AC7-AD4D-29A9D6D74E1B}"/>
               </a:ext>
             </a:extLst>
           </p:cNvPr>
@@ -38943,7 +38865,7 @@
           </a:ln>
           <a:extLst>
             <a:ext uri="{C572A759-6A51-4108-AA02-DFA0A04FC94B}">
-              <ma14:wrappingTextBoxFlag xmlns:ma14="http://schemas.microsoft.com/office/mac/drawingml/2011/main" xmlns:a14="http://schemas.microsoft.com/office/drawing/2010/main" xmlns:m="http://schemas.openxmlformats.org/officeDocument/2006/math" xmlns="" val="1"/>
+              <ma14:wrappingTextBoxFlag xmlns="" xmlns:m="http://schemas.openxmlformats.org/officeDocument/2006/math" xmlns:a14="http://schemas.microsoft.com/office/drawing/2010/main" xmlns:ma14="http://schemas.microsoft.com/office/mac/drawingml/2011/main" val="1"/>
             </a:ext>
           </a:extLst>
         </p:spPr>
@@ -38988,7 +38910,7 @@
           </a:ln>
           <a:extLst>
             <a:ext uri="{C572A759-6A51-4108-AA02-DFA0A04FC94B}">
-              <ma14:wrappingTextBoxFlag xmlns:ma14="http://schemas.microsoft.com/office/mac/drawingml/2011/main" xmlns:a14="http://schemas.microsoft.com/office/drawing/2010/main" xmlns:m="http://schemas.openxmlformats.org/officeDocument/2006/math" xmlns="" val="1"/>
+              <ma14:wrappingTextBoxFlag xmlns="" xmlns:m="http://schemas.openxmlformats.org/officeDocument/2006/math" xmlns:a14="http://schemas.microsoft.com/office/drawing/2010/main" xmlns:ma14="http://schemas.microsoft.com/office/mac/drawingml/2011/main" val="1"/>
             </a:ext>
           </a:extLst>
         </p:spPr>
@@ -39033,7 +38955,7 @@
           </a:ln>
           <a:extLst>
             <a:ext uri="{C572A759-6A51-4108-AA02-DFA0A04FC94B}">
-              <ma14:wrappingTextBoxFlag xmlns:ma14="http://schemas.microsoft.com/office/mac/drawingml/2011/main" xmlns:a14="http://schemas.microsoft.com/office/drawing/2010/main" xmlns:m="http://schemas.openxmlformats.org/officeDocument/2006/math" xmlns="" val="1"/>
+              <ma14:wrappingTextBoxFlag xmlns="" xmlns:m="http://schemas.openxmlformats.org/officeDocument/2006/math" xmlns:a14="http://schemas.microsoft.com/office/drawing/2010/main" xmlns:ma14="http://schemas.microsoft.com/office/mac/drawingml/2011/main" val="1"/>
             </a:ext>
           </a:extLst>
         </p:spPr>
@@ -39142,7 +39064,7 @@
             <a:effectLst/>
             <a:extLst>
               <a:ext uri="{C572A759-6A51-4108-AA02-DFA0A04FC94B}">
-                <ma14:wrappingTextBoxFlag xmlns:ma14="http://schemas.microsoft.com/office/mac/drawingml/2011/main" xmlns:a14="http://schemas.microsoft.com/office/drawing/2010/main" xmlns:m="http://schemas.openxmlformats.org/officeDocument/2006/math" xmlns="" val="1"/>
+                <ma14:wrappingTextBoxFlag xmlns="" xmlns:m="http://schemas.openxmlformats.org/officeDocument/2006/math" xmlns:a14="http://schemas.microsoft.com/office/drawing/2010/main" xmlns:ma14="http://schemas.microsoft.com/office/mac/drawingml/2011/main" val="1"/>
               </a:ext>
             </a:extLst>
           </p:spPr>
@@ -39258,7 +39180,7 @@
             <a:effectLst/>
             <a:extLst>
               <a:ext uri="{C572A759-6A51-4108-AA02-DFA0A04FC94B}">
-                <ma14:wrappingTextBoxFlag xmlns:ma14="http://schemas.microsoft.com/office/mac/drawingml/2011/main" xmlns:a14="http://schemas.microsoft.com/office/drawing/2010/main" xmlns:m="http://schemas.openxmlformats.org/officeDocument/2006/math" xmlns="" val="1"/>
+                <ma14:wrappingTextBoxFlag xmlns="" xmlns:m="http://schemas.openxmlformats.org/officeDocument/2006/math" xmlns:a14="http://schemas.microsoft.com/office/drawing/2010/main" xmlns:ma14="http://schemas.microsoft.com/office/mac/drawingml/2011/main" val="1"/>
               </a:ext>
             </a:extLst>
           </p:spPr>
@@ -39296,7 +39218,7 @@
           <p:cNvPr id="43" name="Rectángulo redondeado 8">
             <a:extLst>
               <a:ext uri="{FF2B5EF4-FFF2-40B4-BE49-F238E27FC236}">
-                <a16:creationId xmlns="" xmlns:a16="http://schemas.microsoft.com/office/drawing/2014/main" id="{277BA7B5-969F-97FA-876B-9353DE62E89F}"/>
+                <a16:creationId xmlns:a16="http://schemas.microsoft.com/office/drawing/2014/main" xmlns="" id="{277BA7B5-969F-97FA-876B-9353DE62E89F}"/>
               </a:ext>
             </a:extLst>
           </p:cNvPr>
@@ -39350,7 +39272,7 @@
           <p:cNvPr id="44" name="Rectangle 68">
             <a:extLst>
               <a:ext uri="{FF2B5EF4-FFF2-40B4-BE49-F238E27FC236}">
-                <a16:creationId xmlns="" xmlns:a16="http://schemas.microsoft.com/office/drawing/2014/main" id="{2E170935-075B-E9F1-39F5-718251B4ECCC}"/>
+                <a16:creationId xmlns:a16="http://schemas.microsoft.com/office/drawing/2014/main" xmlns="" id="{2E170935-075B-E9F1-39F5-718251B4ECCC}"/>
               </a:ext>
             </a:extLst>
           </p:cNvPr>
@@ -39410,7 +39332,7 @@
     <a:masterClrMapping/>
   </p:clrMapOvr>
   <mc:AlternateContent xmlns:mc="http://schemas.openxmlformats.org/markup-compatibility/2006">
-    <mc:Choice xmlns:p159="http://schemas.microsoft.com/office/powerpoint/2015/09/main" xmlns="" Requires="p159">
+    <mc:Choice xmlns="" xmlns:p159="http://schemas.microsoft.com/office/powerpoint/2015/09/main" Requires="p159">
       <p:transition xmlns:p14="http://schemas.microsoft.com/office/powerpoint/2010/main" spd="slow" p14:dur="2000">
         <p159:morph option="byObject"/>
       </p:transition>
@@ -40435,20 +40357,6 @@
 </file>
 
 <file path=customXml/item2.xml><?xml version="1.0" encoding="utf-8"?>
-<?mso-contentType ?>
-<spe:Receivers xmlns:spe="http://schemas.microsoft.com/sharepoint/events"/>
-</file>
-
-<file path=customXml/item3.xml><?xml version="1.0" encoding="utf-8"?>
-<?mso-contentType ?>
-<FormTemplates xmlns="http://schemas.microsoft.com/sharepoint/v3/contenttype/forms">
-  <Display>DocumentLibraryForm</Display>
-  <Edit>DocumentLibraryForm</Edit>
-  <New>DocumentLibraryForm</New>
-</FormTemplates>
-</file>
-
-<file path=customXml/item4.xml><?xml version="1.0" encoding="utf-8"?>
 <p:properties xmlns:p="http://schemas.microsoft.com/office/2006/metadata/properties" xmlns:xsi="http://www.w3.org/2001/XMLSchema-instance" xmlns:pc="http://schemas.microsoft.com/office/infopath/2007/PartnerControls">
   <documentManagement>
     <TaxCatchAll xmlns="0d112806-a571-4b5c-9687-83175e2be7e0">
@@ -40521,6 +40429,20 @@
 </p:properties>
 </file>
 
+<file path=customXml/item3.xml><?xml version="1.0" encoding="utf-8"?>
+<?mso-contentType ?>
+<FormTemplates xmlns="http://schemas.microsoft.com/sharepoint/v3/contenttype/forms">
+  <Display>DocumentLibraryForm</Display>
+  <Edit>DocumentLibraryForm</Edit>
+  <New>DocumentLibraryForm</New>
+</FormTemplates>
+</file>
+
+<file path=customXml/item4.xml><?xml version="1.0" encoding="utf-8"?>
+<?mso-contentType ?>
+<spe:Receivers xmlns:spe="http://schemas.microsoft.com/sharepoint/events"/>
+</file>
+
 <file path=customXml/itemProps1.xml><?xml version="1.0" encoding="utf-8"?>
 <ds:datastoreItem xmlns:ds="http://schemas.openxmlformats.org/officeDocument/2006/customXml" ds:itemID="{F691990F-56CB-48C0-A899-B2AAEA1FE2B5}">
   <ds:schemaRefs>
@@ -40543,22 +40465,6 @@
 </file>
 
 <file path=customXml/itemProps2.xml><?xml version="1.0" encoding="utf-8"?>
-<ds:datastoreItem xmlns:ds="http://schemas.openxmlformats.org/officeDocument/2006/customXml" ds:itemID="{4715E428-4D5D-44BE-8CDF-D0767275E30E}">
-  <ds:schemaRefs>
-    <ds:schemaRef ds:uri="http://schemas.microsoft.com/sharepoint/events"/>
-  </ds:schemaRefs>
-</ds:datastoreItem>
-</file>
-
-<file path=customXml/itemProps3.xml><?xml version="1.0" encoding="utf-8"?>
-<ds:datastoreItem xmlns:ds="http://schemas.openxmlformats.org/officeDocument/2006/customXml" ds:itemID="{E35C8FFE-5946-45D2-8509-5F55C5B9ED1B}">
-  <ds:schemaRefs>
-    <ds:schemaRef ds:uri="http://schemas.microsoft.com/sharepoint/v3/contenttype/forms"/>
-  </ds:schemaRefs>
-</ds:datastoreItem>
-</file>
-
-<file path=customXml/itemProps4.xml><?xml version="1.0" encoding="utf-8"?>
 <ds:datastoreItem xmlns:ds="http://schemas.openxmlformats.org/officeDocument/2006/customXml" ds:itemID="{2D0DF8DB-B03C-4353-B44A-DA8E261EF087}">
   <ds:schemaRefs>
     <ds:schemaRef ds:uri="http://www.w3.org/XML/1998/namespace"/>
@@ -40575,4 +40481,20 @@
     <ds:schemaRef ds:uri="http://purl.org/dc/terms/"/>
   </ds:schemaRefs>
 </ds:datastoreItem>
+</file>
+
+<file path=customXml/itemProps3.xml><?xml version="1.0" encoding="utf-8"?>
+<ds:datastoreItem xmlns:ds="http://schemas.openxmlformats.org/officeDocument/2006/customXml" ds:itemID="{E35C8FFE-5946-45D2-8509-5F55C5B9ED1B}">
+  <ds:schemaRefs>
+    <ds:schemaRef ds:uri="http://schemas.microsoft.com/sharepoint/v3/contenttype/forms"/>
+  </ds:schemaRefs>
+</ds:datastoreItem>
+</file>
+
+<file path=customXml/itemProps4.xml><?xml version="1.0" encoding="utf-8"?>
+<ds:datastoreItem xmlns:ds="http://schemas.openxmlformats.org/officeDocument/2006/customXml" ds:itemID="{4715E428-4D5D-44BE-8CDF-D0767275E30E}">
+  <ds:schemaRefs>
+    <ds:schemaRef ds:uri="http://schemas.microsoft.com/sharepoint/events"/>
+  </ds:schemaRefs>
+</ds:datastoreItem>
 </file>